--- a/Business/Finance/Budgets, Packets and Templates/Packets/TURBOCAM Sponsorship Packet/TURBOCAM INC Presentation - UNH SEDS.pptx
+++ b/Business/Finance/Budgets, Packets and Templates/Packets/TURBOCAM Sponsorship Packet/TURBOCAM INC Presentation - UNH SEDS.pptx
@@ -5,7 +5,7 @@
     <p:sldMasterId id="2147483768" r:id="rId1"/>
   </p:sldMasterIdLst>
   <p:notesMasterIdLst>
-    <p:notesMasterId r:id="rId8"/>
+    <p:notesMasterId r:id="rId9"/>
   </p:notesMasterIdLst>
   <p:sldIdLst>
     <p:sldId id="257" r:id="rId2"/>
@@ -14,6 +14,7 @@
     <p:sldId id="280" r:id="rId5"/>
     <p:sldId id="270" r:id="rId6"/>
     <p:sldId id="262" r:id="rId7"/>
+    <p:sldId id="282" r:id="rId8"/>
   </p:sldIdLst>
   <p:sldSz cx="12192000" cy="6858000"/>
   <p:notesSz cx="6858000" cy="9144000"/>
@@ -202,7 +203,7 @@
           <a:p>
             <a:fld id="{79C6A49C-1803-4A28-8D90-751DD6DAEE6E}" type="datetimeFigureOut">
               <a:rPr lang="en-US" smtClean="0"/>
-              <a:t>9/24/2019</a:t>
+              <a:t>9/25/2019</a:t>
             </a:fld>
             <a:endParaRPr lang="en-US"/>
           </a:p>
@@ -871,6 +872,90 @@
 </p:notes>
 </file>
 
+<file path=ppt/notesSlides/notesSlide4.xml><?xml version="1.0" encoding="utf-8"?>
+<p:notes xmlns:a="http://schemas.openxmlformats.org/drawingml/2006/main" xmlns:r="http://schemas.openxmlformats.org/officeDocument/2006/relationships" xmlns:p="http://schemas.openxmlformats.org/presentationml/2006/main">
+  <p:cSld>
+    <p:spTree>
+      <p:nvGrpSpPr>
+        <p:cNvPr id="1" name=""/>
+        <p:cNvGrpSpPr/>
+        <p:nvPr/>
+      </p:nvGrpSpPr>
+      <p:grpSpPr>
+        <a:xfrm>
+          <a:off x="0" y="0"/>
+          <a:ext cx="0" cy="0"/>
+          <a:chOff x="0" y="0"/>
+          <a:chExt cx="0" cy="0"/>
+        </a:xfrm>
+      </p:grpSpPr>
+      <p:sp>
+        <p:nvSpPr>
+          <p:cNvPr id="2" name="Slide Image Placeholder 1"/>
+          <p:cNvSpPr>
+            <a:spLocks noGrp="1" noRot="1" noChangeAspect="1"/>
+          </p:cNvSpPr>
+          <p:nvPr>
+            <p:ph type="sldImg"/>
+          </p:nvPr>
+        </p:nvSpPr>
+        <p:spPr/>
+      </p:sp>
+      <p:sp>
+        <p:nvSpPr>
+          <p:cNvPr id="3" name="Notes Placeholder 2"/>
+          <p:cNvSpPr>
+            <a:spLocks noGrp="1"/>
+          </p:cNvSpPr>
+          <p:nvPr>
+            <p:ph type="body" idx="1"/>
+          </p:nvPr>
+        </p:nvSpPr>
+        <p:spPr/>
+        <p:txBody>
+          <a:bodyPr/>
+          <a:lstStyle/>
+          <a:p>
+            <a:endParaRPr lang="en-US" dirty="0"/>
+          </a:p>
+        </p:txBody>
+      </p:sp>
+      <p:sp>
+        <p:nvSpPr>
+          <p:cNvPr id="4" name="Slide Number Placeholder 3"/>
+          <p:cNvSpPr>
+            <a:spLocks noGrp="1"/>
+          </p:cNvSpPr>
+          <p:nvPr>
+            <p:ph type="sldNum" sz="quarter" idx="10"/>
+          </p:nvPr>
+        </p:nvSpPr>
+        <p:spPr/>
+        <p:txBody>
+          <a:bodyPr/>
+          <a:lstStyle/>
+          <a:p>
+            <a:fld id="{8BCC20E7-9671-45F0-836D-53E56406B6BA}" type="slidenum">
+              <a:rPr lang="en-US" smtClean="0"/>
+              <a:t>7</a:t>
+            </a:fld>
+            <a:endParaRPr lang="en-US"/>
+          </a:p>
+        </p:txBody>
+      </p:sp>
+    </p:spTree>
+    <p:extLst>
+      <p:ext uri="{BB962C8B-B14F-4D97-AF65-F5344CB8AC3E}">
+        <p14:creationId xmlns:p14="http://schemas.microsoft.com/office/powerpoint/2010/main" val="3168998082"/>
+      </p:ext>
+    </p:extLst>
+  </p:cSld>
+  <p:clrMapOvr>
+    <a:masterClrMapping/>
+  </p:clrMapOvr>
+</p:notes>
+</file>
+
 <file path=ppt/slideLayouts/slideLayout1.xml><?xml version="1.0" encoding="utf-8"?>
 <p:sldLayout xmlns:a="http://schemas.openxmlformats.org/drawingml/2006/main" xmlns:r="http://schemas.openxmlformats.org/officeDocument/2006/relationships" xmlns:p="http://schemas.openxmlformats.org/presentationml/2006/main" type="title" preserve="1">
   <p:cSld name="Title Slide">
@@ -1056,7 +1141,7 @@
           <a:p>
             <a:fld id="{DC4FF77B-AB05-463F-8388-E3EF4DCD9159}" type="datetimeFigureOut">
               <a:rPr lang="en-US" smtClean="0"/>
-              <a:t>9/24/2019</a:t>
+              <a:t>9/25/2019</a:t>
             </a:fld>
             <a:endParaRPr lang="en-US"/>
           </a:p>
@@ -1354,7 +1439,7 @@
           <a:p>
             <a:fld id="{DC4FF77B-AB05-463F-8388-E3EF4DCD9159}" type="datetimeFigureOut">
               <a:rPr lang="en-US" smtClean="0"/>
-              <a:t>9/24/2019</a:t>
+              <a:t>9/25/2019</a:t>
             </a:fld>
             <a:endParaRPr lang="en-US"/>
           </a:p>
@@ -1546,7 +1631,7 @@
           <a:p>
             <a:fld id="{DC4FF77B-AB05-463F-8388-E3EF4DCD9159}" type="datetimeFigureOut">
               <a:rPr lang="en-US" smtClean="0"/>
-              <a:t>9/24/2019</a:t>
+              <a:t>9/25/2019</a:t>
             </a:fld>
             <a:endParaRPr lang="en-US"/>
           </a:p>
@@ -1807,7 +1892,7 @@
           <a:p>
             <a:fld id="{DC4FF77B-AB05-463F-8388-E3EF4DCD9159}" type="datetimeFigureOut">
               <a:rPr lang="en-US" smtClean="0"/>
-              <a:t>9/24/2019</a:t>
+              <a:t>9/25/2019</a:t>
             </a:fld>
             <a:endParaRPr lang="en-US"/>
           </a:p>
@@ -2231,7 +2316,7 @@
           <a:p>
             <a:fld id="{DC4FF77B-AB05-463F-8388-E3EF4DCD9159}" type="datetimeFigureOut">
               <a:rPr lang="en-US" smtClean="0"/>
-              <a:t>9/24/2019</a:t>
+              <a:t>9/25/2019</a:t>
             </a:fld>
             <a:endParaRPr lang="en-US"/>
           </a:p>
@@ -2768,7 +2853,7 @@
           <a:p>
             <a:fld id="{DC4FF77B-AB05-463F-8388-E3EF4DCD9159}" type="datetimeFigureOut">
               <a:rPr lang="en-US" smtClean="0"/>
-              <a:t>9/24/2019</a:t>
+              <a:t>9/25/2019</a:t>
             </a:fld>
             <a:endParaRPr lang="en-US"/>
           </a:p>
@@ -3632,7 +3717,7 @@
           <a:p>
             <a:fld id="{DC4FF77B-AB05-463F-8388-E3EF4DCD9159}" type="datetimeFigureOut">
               <a:rPr lang="en-US" smtClean="0"/>
-              <a:t>9/24/2019</a:t>
+              <a:t>9/25/2019</a:t>
             </a:fld>
             <a:endParaRPr lang="en-US"/>
           </a:p>
@@ -3802,7 +3887,7 @@
           <a:p>
             <a:fld id="{DC4FF77B-AB05-463F-8388-E3EF4DCD9159}" type="datetimeFigureOut">
               <a:rPr lang="en-US" smtClean="0"/>
-              <a:t>9/24/2019</a:t>
+              <a:t>9/25/2019</a:t>
             </a:fld>
             <a:endParaRPr lang="en-US"/>
           </a:p>
@@ -3986,7 +4071,7 @@
           <a:p>
             <a:fld id="{DC4FF77B-AB05-463F-8388-E3EF4DCD9159}" type="datetimeFigureOut">
               <a:rPr lang="en-US" smtClean="0"/>
-              <a:t>9/24/2019</a:t>
+              <a:t>9/25/2019</a:t>
             </a:fld>
             <a:endParaRPr lang="en-US"/>
           </a:p>
@@ -4156,7 +4241,7 @@
           <a:p>
             <a:fld id="{DC4FF77B-AB05-463F-8388-E3EF4DCD9159}" type="datetimeFigureOut">
               <a:rPr lang="en-US" smtClean="0"/>
-              <a:t>9/24/2019</a:t>
+              <a:t>9/25/2019</a:t>
             </a:fld>
             <a:endParaRPr lang="en-US"/>
           </a:p>
@@ -4400,7 +4485,7 @@
           <a:p>
             <a:fld id="{DC4FF77B-AB05-463F-8388-E3EF4DCD9159}" type="datetimeFigureOut">
               <a:rPr lang="en-US" smtClean="0"/>
-              <a:t>9/24/2019</a:t>
+              <a:t>9/25/2019</a:t>
             </a:fld>
             <a:endParaRPr lang="en-US"/>
           </a:p>
@@ -4636,7 +4721,7 @@
           <a:p>
             <a:fld id="{DC4FF77B-AB05-463F-8388-E3EF4DCD9159}" type="datetimeFigureOut">
               <a:rPr lang="en-US" smtClean="0"/>
-              <a:t>9/24/2019</a:t>
+              <a:t>9/25/2019</a:t>
             </a:fld>
             <a:endParaRPr lang="en-US"/>
           </a:p>
@@ -5102,7 +5187,7 @@
           <a:p>
             <a:fld id="{DC4FF77B-AB05-463F-8388-E3EF4DCD9159}" type="datetimeFigureOut">
               <a:rPr lang="en-US" smtClean="0"/>
-              <a:t>9/24/2019</a:t>
+              <a:t>9/25/2019</a:t>
             </a:fld>
             <a:endParaRPr lang="en-US"/>
           </a:p>
@@ -5220,7 +5305,7 @@
           <a:p>
             <a:fld id="{DC4FF77B-AB05-463F-8388-E3EF4DCD9159}" type="datetimeFigureOut">
               <a:rPr lang="en-US" smtClean="0"/>
-              <a:t>9/24/2019</a:t>
+              <a:t>9/25/2019</a:t>
             </a:fld>
             <a:endParaRPr lang="en-US"/>
           </a:p>
@@ -5315,7 +5400,7 @@
           <a:p>
             <a:fld id="{DC4FF77B-AB05-463F-8388-E3EF4DCD9159}" type="datetimeFigureOut">
               <a:rPr lang="en-US" smtClean="0"/>
-              <a:t>9/24/2019</a:t>
+              <a:t>9/25/2019</a:t>
             </a:fld>
             <a:endParaRPr lang="en-US"/>
           </a:p>
@@ -5570,7 +5655,7 @@
           <a:p>
             <a:fld id="{DC4FF77B-AB05-463F-8388-E3EF4DCD9159}" type="datetimeFigureOut">
               <a:rPr lang="en-US" smtClean="0"/>
-              <a:t>9/24/2019</a:t>
+              <a:t>9/25/2019</a:t>
             </a:fld>
             <a:endParaRPr lang="en-US"/>
           </a:p>
@@ -5870,7 +5955,7 @@
           <a:p>
             <a:fld id="{DC4FF77B-AB05-463F-8388-E3EF4DCD9159}" type="datetimeFigureOut">
               <a:rPr lang="en-US" smtClean="0"/>
-              <a:t>9/24/2019</a:t>
+              <a:t>9/25/2019</a:t>
             </a:fld>
             <a:endParaRPr lang="en-US"/>
           </a:p>
@@ -6104,7 +6189,7 @@
           <a:p>
             <a:fld id="{DC4FF77B-AB05-463F-8388-E3EF4DCD9159}" type="datetimeFigureOut">
               <a:rPr lang="en-US" smtClean="0"/>
-              <a:t>9/24/2019</a:t>
+              <a:t>9/25/2019</a:t>
             </a:fld>
             <a:endParaRPr lang="en-US"/>
           </a:p>
@@ -7930,16 +8015,18 @@
         </p:nvSpPr>
         <p:spPr>
           <a:xfrm>
-            <a:off x="294786" y="-158658"/>
+            <a:off x="-3100799" y="-191326"/>
             <a:ext cx="10515600" cy="1325563"/>
           </a:xfrm>
         </p:spPr>
         <p:txBody>
-          <a:bodyPr/>
+          <a:bodyPr>
+            <a:normAutofit/>
+          </a:bodyPr>
           <a:lstStyle/>
           <a:p>
             <a:r>
-              <a:rPr lang="en-US" b="1" cap="none" dirty="0">
+              <a:rPr lang="en-US" sz="3200" b="1" cap="none" dirty="0">
                 <a:ln w="9525">
                   <a:solidFill>
                     <a:schemeClr val="bg1"/>
@@ -8330,285 +8417,322 @@
           </p:txBody>
         </p:sp>
       </p:grpSp>
-      <p:sp>
-        <p:nvSpPr>
-          <p:cNvPr id="8" name="TextBox 7">
+      <p:grpSp>
+        <p:nvGrpSpPr>
+          <p:cNvPr id="6" name="Group 5">
             <a:extLst>
               <a:ext uri="{FF2B5EF4-FFF2-40B4-BE49-F238E27FC236}">
-                <a16:creationId xmlns:a16="http://schemas.microsoft.com/office/drawing/2014/main" id="{79FCC39E-2CEE-4163-A0CF-B0DA7CE0CDC4}"/>
+                <a16:creationId xmlns:a16="http://schemas.microsoft.com/office/drawing/2014/main" id="{E3CDDD87-5564-4FA6-9A31-2956CC5AEBD7}"/>
               </a:ext>
             </a:extLst>
           </p:cNvPr>
-          <p:cNvSpPr txBox="1"/>
+          <p:cNvGrpSpPr/>
           <p:nvPr/>
-        </p:nvSpPr>
-        <p:spPr>
+        </p:nvGrpSpPr>
+        <p:grpSpPr>
           <a:xfrm>
-            <a:off x="761920" y="2874667"/>
-            <a:ext cx="2565647" cy="369332"/>
+            <a:off x="4547315" y="2981907"/>
+            <a:ext cx="4849965" cy="2578598"/>
+            <a:chOff x="761920" y="2845882"/>
+            <a:chExt cx="4849965" cy="2578598"/>
           </a:xfrm>
-          <a:prstGeom prst="rect">
-            <a:avLst/>
-          </a:prstGeom>
-          <a:noFill/>
-        </p:spPr>
-        <p:txBody>
-          <a:bodyPr wrap="square" rtlCol="0">
-            <a:spAutoFit/>
-          </a:bodyPr>
-          <a:lstStyle/>
-          <a:p>
-            <a:pPr algn="ctr"/>
-            <a:r>
-              <a:rPr lang="en-US" dirty="0"/>
-              <a:t>Membership </a:t>
-            </a:r>
-          </a:p>
-        </p:txBody>
-      </p:sp>
-      <p:sp>
-        <p:nvSpPr>
-          <p:cNvPr id="9" name="TextBox 8">
+        </p:grpSpPr>
+        <p:sp>
+          <p:nvSpPr>
+            <p:cNvPr id="8" name="TextBox 7">
+              <a:extLst>
+                <a:ext uri="{FF2B5EF4-FFF2-40B4-BE49-F238E27FC236}">
+                  <a16:creationId xmlns:a16="http://schemas.microsoft.com/office/drawing/2014/main" id="{79FCC39E-2CEE-4163-A0CF-B0DA7CE0CDC4}"/>
+                </a:ext>
+              </a:extLst>
+            </p:cNvPr>
+            <p:cNvSpPr txBox="1"/>
+            <p:nvPr/>
+          </p:nvSpPr>
+          <p:spPr>
+            <a:xfrm>
+              <a:off x="1904078" y="2845882"/>
+              <a:ext cx="2565647" cy="369332"/>
+            </a:xfrm>
+            <a:prstGeom prst="rect">
+              <a:avLst/>
+            </a:prstGeom>
+            <a:noFill/>
+          </p:spPr>
+          <p:txBody>
+            <a:bodyPr wrap="square" rtlCol="0">
+              <a:spAutoFit/>
+            </a:bodyPr>
+            <a:lstStyle/>
+            <a:p>
+              <a:pPr algn="ctr"/>
+              <a:r>
+                <a:rPr lang="en-US" dirty="0"/>
+                <a:t>Membership </a:t>
+              </a:r>
+            </a:p>
+          </p:txBody>
+        </p:sp>
+        <p:pic>
+          <p:nvPicPr>
+            <p:cNvPr id="2058" name="Picture 10" descr="Forms response chart. Question title: Sex . Number of responses: 42 responses.">
+              <a:extLst>
+                <a:ext uri="{FF2B5EF4-FFF2-40B4-BE49-F238E27FC236}">
+                  <a16:creationId xmlns:a16="http://schemas.microsoft.com/office/drawing/2014/main" id="{3C339887-403E-440D-B6C9-C466B8D76675}"/>
+                </a:ext>
+              </a:extLst>
+            </p:cNvPr>
+            <p:cNvPicPr>
+              <a:picLocks noChangeAspect="1" noChangeArrowheads="1"/>
+            </p:cNvPicPr>
+            <p:nvPr/>
+          </p:nvPicPr>
+          <p:blipFill rotWithShape="1">
+            <a:blip r:embed="rId5" cstate="print">
+              <a:extLst>
+                <a:ext uri="{28A0092B-C50C-407E-A947-70E740481C1C}">
+                  <a14:useLocalDpi xmlns:a14="http://schemas.microsoft.com/office/drawing/2010/main" val="0"/>
+                </a:ext>
+              </a:extLst>
+            </a:blip>
+            <a:srcRect l="14226" t="23465" r="10130" b="4775"/>
+            <a:stretch/>
+          </p:blipFill>
+          <p:spPr bwMode="auto">
+            <a:xfrm>
+              <a:off x="761920" y="3302492"/>
+              <a:ext cx="4849965" cy="2121988"/>
+            </a:xfrm>
+            <a:prstGeom prst="roundRect">
+              <a:avLst>
+                <a:gd name="adj" fmla="val 8594"/>
+              </a:avLst>
+            </a:prstGeom>
+            <a:solidFill>
+              <a:srgbClr val="FFFFFF">
+                <a:shade val="85000"/>
+              </a:srgbClr>
+            </a:solidFill>
+            <a:ln>
+              <a:noFill/>
+            </a:ln>
+            <a:effectLst>
+              <a:reflection blurRad="12700" stA="38000" endPos="28000" dist="5000" dir="5400000" sy="-100000" algn="bl" rotWithShape="0"/>
+            </a:effectLst>
+          </p:spPr>
+        </p:pic>
+      </p:grpSp>
+      <p:grpSp>
+        <p:nvGrpSpPr>
+          <p:cNvPr id="3" name="Group 2">
             <a:extLst>
               <a:ext uri="{FF2B5EF4-FFF2-40B4-BE49-F238E27FC236}">
-                <a16:creationId xmlns:a16="http://schemas.microsoft.com/office/drawing/2014/main" id="{B1824960-0579-4DD4-8951-7D1C3FF7988A}"/>
+                <a16:creationId xmlns:a16="http://schemas.microsoft.com/office/drawing/2014/main" id="{9E67C090-7DC4-4D76-BFB5-C1BE520A1147}"/>
               </a:ext>
             </a:extLst>
           </p:cNvPr>
-          <p:cNvSpPr txBox="1"/>
+          <p:cNvGrpSpPr/>
           <p:nvPr/>
-        </p:nvSpPr>
-        <p:spPr>
+        </p:nvGrpSpPr>
+        <p:grpSpPr>
           <a:xfrm>
-            <a:off x="4817111" y="2882186"/>
-            <a:ext cx="2565647" cy="369332"/>
+            <a:off x="359117" y="668898"/>
+            <a:ext cx="5403057" cy="2681390"/>
+            <a:chOff x="6644384" y="2656622"/>
+            <a:chExt cx="5403057" cy="2681390"/>
           </a:xfrm>
-          <a:prstGeom prst="rect">
-            <a:avLst/>
-          </a:prstGeom>
-          <a:noFill/>
-        </p:spPr>
-        <p:txBody>
-          <a:bodyPr wrap="square" rtlCol="0">
-            <a:spAutoFit/>
-          </a:bodyPr>
-          <a:lstStyle/>
-          <a:p>
-            <a:pPr algn="ctr"/>
-            <a:r>
-              <a:rPr lang="en-US" dirty="0"/>
-              <a:t>Major</a:t>
-            </a:r>
-          </a:p>
-        </p:txBody>
-      </p:sp>
-      <p:sp>
-        <p:nvSpPr>
-          <p:cNvPr id="19" name="TextBox 18">
+        </p:grpSpPr>
+        <p:sp>
+          <p:nvSpPr>
+            <p:cNvPr id="9" name="TextBox 8">
+              <a:extLst>
+                <a:ext uri="{FF2B5EF4-FFF2-40B4-BE49-F238E27FC236}">
+                  <a16:creationId xmlns:a16="http://schemas.microsoft.com/office/drawing/2014/main" id="{B1824960-0579-4DD4-8951-7D1C3FF7988A}"/>
+                </a:ext>
+              </a:extLst>
+            </p:cNvPr>
+            <p:cNvSpPr txBox="1"/>
+            <p:nvPr/>
+          </p:nvSpPr>
+          <p:spPr>
+            <a:xfrm>
+              <a:off x="7736182" y="2656622"/>
+              <a:ext cx="3219459" cy="461665"/>
+            </a:xfrm>
+            <a:prstGeom prst="rect">
+              <a:avLst/>
+            </a:prstGeom>
+            <a:noFill/>
+            <a:effectLst/>
+          </p:spPr>
+          <p:txBody>
+            <a:bodyPr wrap="square" rtlCol="0">
+              <a:spAutoFit/>
+            </a:bodyPr>
+            <a:lstStyle/>
+            <a:p>
+              <a:pPr algn="ctr"/>
+              <a:r>
+                <a:rPr lang="en-US" sz="2400" dirty="0"/>
+                <a:t>Major</a:t>
+              </a:r>
+            </a:p>
+          </p:txBody>
+        </p:sp>
+        <p:pic>
+          <p:nvPicPr>
+            <p:cNvPr id="2060" name="Picture 12" descr="Forms response chart. Question title: Major . Number of responses: 42 responses.">
+              <a:extLst>
+                <a:ext uri="{FF2B5EF4-FFF2-40B4-BE49-F238E27FC236}">
+                  <a16:creationId xmlns:a16="http://schemas.microsoft.com/office/drawing/2014/main" id="{446BCF70-7792-47BA-94CB-751AE87939AA}"/>
+                </a:ext>
+              </a:extLst>
+            </p:cNvPr>
+            <p:cNvPicPr>
+              <a:picLocks noChangeAspect="1" noChangeArrowheads="1"/>
+            </p:cNvPicPr>
+            <p:nvPr/>
+          </p:nvPicPr>
+          <p:blipFill rotWithShape="1">
+            <a:blip r:embed="rId6" cstate="print">
+              <a:extLst>
+                <a:ext uri="{28A0092B-C50C-407E-A947-70E740481C1C}">
+                  <a14:useLocalDpi xmlns:a14="http://schemas.microsoft.com/office/drawing/2010/main" val="0"/>
+                </a:ext>
+              </a:extLst>
+            </a:blip>
+            <a:srcRect l="12379" t="25023" r="8472" b="6916"/>
+            <a:stretch/>
+          </p:blipFill>
+          <p:spPr bwMode="auto">
+            <a:xfrm>
+              <a:off x="6644384" y="3195235"/>
+              <a:ext cx="5403057" cy="2142777"/>
+            </a:xfrm>
+            <a:prstGeom prst="roundRect">
+              <a:avLst>
+                <a:gd name="adj" fmla="val 8594"/>
+              </a:avLst>
+            </a:prstGeom>
+            <a:solidFill>
+              <a:srgbClr val="FFFFFF">
+                <a:shade val="85000"/>
+              </a:srgbClr>
+            </a:solidFill>
+            <a:ln>
+              <a:noFill/>
+            </a:ln>
+            <a:effectLst>
+              <a:reflection blurRad="12700" stA="38000" endPos="28000" dist="5000" dir="5400000" sy="-100000" algn="bl" rotWithShape="0"/>
+            </a:effectLst>
+          </p:spPr>
+        </p:pic>
+      </p:grpSp>
+      <p:grpSp>
+        <p:nvGrpSpPr>
+          <p:cNvPr id="5" name="Group 4">
             <a:extLst>
               <a:ext uri="{FF2B5EF4-FFF2-40B4-BE49-F238E27FC236}">
-                <a16:creationId xmlns:a16="http://schemas.microsoft.com/office/drawing/2014/main" id="{E9C69EDA-9B40-4D00-94E0-66EE16E1DDF7}"/>
+                <a16:creationId xmlns:a16="http://schemas.microsoft.com/office/drawing/2014/main" id="{8875E489-3FB7-4688-9D36-957140EED7BE}"/>
               </a:ext>
             </a:extLst>
           </p:cNvPr>
-          <p:cNvSpPr txBox="1"/>
+          <p:cNvGrpSpPr/>
           <p:nvPr/>
-        </p:nvSpPr>
-        <p:spPr>
+        </p:nvGrpSpPr>
+        <p:grpSpPr>
           <a:xfrm>
-            <a:off x="8872303" y="2874667"/>
-            <a:ext cx="2565647" cy="369332"/>
+            <a:off x="7198526" y="231614"/>
+            <a:ext cx="4397507" cy="2457076"/>
+            <a:chOff x="1366820" y="452982"/>
+            <a:chExt cx="3687797" cy="2070745"/>
           </a:xfrm>
-          <a:prstGeom prst="rect">
-            <a:avLst/>
-          </a:prstGeom>
-          <a:noFill/>
-        </p:spPr>
-        <p:txBody>
-          <a:bodyPr wrap="square" rtlCol="0">
-            <a:spAutoFit/>
-          </a:bodyPr>
-          <a:lstStyle/>
-          <a:p>
-            <a:pPr algn="ctr"/>
-            <a:r>
-              <a:rPr lang="en-US" dirty="0"/>
-              <a:t>Year</a:t>
-            </a:r>
-          </a:p>
-        </p:txBody>
-      </p:sp>
-      <p:pic>
-        <p:nvPicPr>
-          <p:cNvPr id="2058" name="Picture 10" descr="Forms response chart. Question title: Sex . Number of responses: 42 responses.">
-            <a:extLst>
-              <a:ext uri="{FF2B5EF4-FFF2-40B4-BE49-F238E27FC236}">
-                <a16:creationId xmlns:a16="http://schemas.microsoft.com/office/drawing/2014/main" id="{3C339887-403E-440D-B6C9-C466B8D76675}"/>
-              </a:ext>
-            </a:extLst>
-          </p:cNvPr>
-          <p:cNvPicPr>
-            <a:picLocks noChangeAspect="1" noChangeArrowheads="1"/>
-          </p:cNvPicPr>
-          <p:nvPr/>
-        </p:nvPicPr>
-        <p:blipFill rotWithShape="1">
-          <a:blip r:embed="rId5" cstate="print">
-            <a:extLst>
-              <a:ext uri="{28A0092B-C50C-407E-A947-70E740481C1C}">
-                <a14:useLocalDpi xmlns:a14="http://schemas.microsoft.com/office/drawing/2010/main" val="0"/>
-              </a:ext>
-            </a:extLst>
-          </a:blip>
-          <a:srcRect l="14226" t="23465" r="10130" b="4775"/>
-          <a:stretch/>
-        </p:blipFill>
-        <p:spPr bwMode="auto">
-          <a:xfrm>
-            <a:off x="212725" y="3302492"/>
-            <a:ext cx="3687795" cy="1613508"/>
-          </a:xfrm>
-          <a:prstGeom prst="roundRect">
-            <a:avLst>
-              <a:gd name="adj" fmla="val 8594"/>
-            </a:avLst>
-          </a:prstGeom>
-          <a:solidFill>
-            <a:srgbClr val="FFFFFF">
-              <a:shade val="85000"/>
-            </a:srgbClr>
-          </a:solidFill>
-          <a:ln>
+        </p:grpSpPr>
+        <p:sp>
+          <p:nvSpPr>
+            <p:cNvPr id="19" name="TextBox 18">
+              <a:extLst>
+                <a:ext uri="{FF2B5EF4-FFF2-40B4-BE49-F238E27FC236}">
+                  <a16:creationId xmlns:a16="http://schemas.microsoft.com/office/drawing/2014/main" id="{E9C69EDA-9B40-4D00-94E0-66EE16E1DDF7}"/>
+                </a:ext>
+              </a:extLst>
+            </p:cNvPr>
+            <p:cNvSpPr txBox="1"/>
+            <p:nvPr/>
+          </p:nvSpPr>
+          <p:spPr>
+            <a:xfrm>
+              <a:off x="1927894" y="452982"/>
+              <a:ext cx="2565647" cy="400110"/>
+            </a:xfrm>
+            <a:prstGeom prst="rect">
+              <a:avLst/>
+            </a:prstGeom>
             <a:noFill/>
-          </a:ln>
-          <a:effectLst>
-            <a:reflection blurRad="12700" stA="38000" endPos="28000" dist="5000" dir="5400000" sy="-100000" algn="bl" rotWithShape="0"/>
-          </a:effectLst>
-          <a:extLst>
-            <a:ext uri="{909E8E84-426E-40DD-AFC4-6F175D3DCCD1}">
-              <a14:hiddenFill xmlns:a14="http://schemas.microsoft.com/office/drawing/2010/main">
-                <a:solidFill>
-                  <a:srgbClr val="FFFFFF"/>
-                </a:solidFill>
-              </a14:hiddenFill>
-            </a:ext>
-          </a:extLst>
-        </p:spPr>
-      </p:pic>
-      <p:pic>
-        <p:nvPicPr>
-          <p:cNvPr id="2060" name="Picture 12" descr="Forms response chart. Question title: Major . Number of responses: 42 responses.">
-            <a:extLst>
-              <a:ext uri="{FF2B5EF4-FFF2-40B4-BE49-F238E27FC236}">
-                <a16:creationId xmlns:a16="http://schemas.microsoft.com/office/drawing/2014/main" id="{446BCF70-7792-47BA-94CB-751AE87939AA}"/>
-              </a:ext>
-            </a:extLst>
-          </p:cNvPr>
-          <p:cNvPicPr>
-            <a:picLocks noChangeAspect="1" noChangeArrowheads="1"/>
-          </p:cNvPicPr>
-          <p:nvPr/>
-        </p:nvPicPr>
-        <p:blipFill rotWithShape="1">
-          <a:blip r:embed="rId6" cstate="print">
-            <a:extLst>
-              <a:ext uri="{28A0092B-C50C-407E-A947-70E740481C1C}">
-                <a14:useLocalDpi xmlns:a14="http://schemas.microsoft.com/office/drawing/2010/main" val="0"/>
-              </a:ext>
-            </a:extLst>
-          </a:blip>
-          <a:srcRect l="12379" t="25023" r="8472" b="6916"/>
-          <a:stretch/>
-        </p:blipFill>
-        <p:spPr bwMode="auto">
-          <a:xfrm>
-            <a:off x="4061752" y="3302492"/>
-            <a:ext cx="4068494" cy="1613508"/>
-          </a:xfrm>
-          <a:prstGeom prst="roundRect">
-            <a:avLst>
-              <a:gd name="adj" fmla="val 8594"/>
-            </a:avLst>
-          </a:prstGeom>
-          <a:solidFill>
-            <a:srgbClr val="FFFFFF">
-              <a:shade val="85000"/>
-            </a:srgbClr>
-          </a:solidFill>
-          <a:ln>
-            <a:noFill/>
-          </a:ln>
-          <a:effectLst>
-            <a:reflection blurRad="12700" stA="38000" endPos="28000" dist="5000" dir="5400000" sy="-100000" algn="bl" rotWithShape="0"/>
-          </a:effectLst>
-          <a:extLst>
-            <a:ext uri="{909E8E84-426E-40DD-AFC4-6F175D3DCCD1}">
-              <a14:hiddenFill xmlns:a14="http://schemas.microsoft.com/office/drawing/2010/main">
-                <a:solidFill>
-                  <a:srgbClr val="FFFFFF"/>
-                </a:solidFill>
-              </a14:hiddenFill>
-            </a:ext>
-          </a:extLst>
-        </p:spPr>
-      </p:pic>
-      <p:pic>
-        <p:nvPicPr>
-          <p:cNvPr id="2062" name="Picture 14" descr="Forms response chart. Question title: Year. Number of responses: 42 responses.">
-            <a:extLst>
-              <a:ext uri="{FF2B5EF4-FFF2-40B4-BE49-F238E27FC236}">
-                <a16:creationId xmlns:a16="http://schemas.microsoft.com/office/drawing/2014/main" id="{6691B7A0-12B3-4076-AE09-9E7522FE24C4}"/>
-              </a:ext>
-            </a:extLst>
-          </p:cNvPr>
-          <p:cNvPicPr>
-            <a:picLocks noChangeAspect="1" noChangeArrowheads="1"/>
-          </p:cNvPicPr>
-          <p:nvPr/>
-        </p:nvPicPr>
-        <p:blipFill rotWithShape="1">
-          <a:blip r:embed="rId7" cstate="print">
-            <a:extLst>
-              <a:ext uri="{28A0092B-C50C-407E-A947-70E740481C1C}">
-                <a14:useLocalDpi xmlns:a14="http://schemas.microsoft.com/office/drawing/2010/main" val="0"/>
-              </a:ext>
-            </a:extLst>
-          </a:blip>
-          <a:srcRect l="15096" t="26990" r="14930" b="6627"/>
-          <a:stretch/>
-        </p:blipFill>
-        <p:spPr bwMode="auto">
-          <a:xfrm>
-            <a:off x="8291478" y="3302492"/>
-            <a:ext cx="3687797" cy="1613508"/>
-          </a:xfrm>
-          <a:prstGeom prst="roundRect">
-            <a:avLst>
-              <a:gd name="adj" fmla="val 8594"/>
-            </a:avLst>
-          </a:prstGeom>
-          <a:solidFill>
-            <a:srgbClr val="FFFFFF">
-              <a:shade val="85000"/>
-            </a:srgbClr>
-          </a:solidFill>
-          <a:ln>
-            <a:noFill/>
-          </a:ln>
-          <a:effectLst>
-            <a:reflection blurRad="12700" stA="38000" endPos="28000" dist="5000" dir="5400000" sy="-100000" algn="bl" rotWithShape="0"/>
-          </a:effectLst>
-          <a:extLst>
-            <a:ext uri="{909E8E84-426E-40DD-AFC4-6F175D3DCCD1}">
-              <a14:hiddenFill xmlns:a14="http://schemas.microsoft.com/office/drawing/2010/main">
-                <a:solidFill>
-                  <a:srgbClr val="FFFFFF"/>
-                </a:solidFill>
-              </a14:hiddenFill>
-            </a:ext>
-          </a:extLst>
-        </p:spPr>
-      </p:pic>
+          </p:spPr>
+          <p:txBody>
+            <a:bodyPr wrap="square" rtlCol="0">
+              <a:spAutoFit/>
+            </a:bodyPr>
+            <a:lstStyle/>
+            <a:p>
+              <a:pPr algn="ctr"/>
+              <a:r>
+                <a:rPr lang="en-US" sz="2000" dirty="0"/>
+                <a:t>Year</a:t>
+              </a:r>
+            </a:p>
+          </p:txBody>
+        </p:sp>
+        <p:pic>
+          <p:nvPicPr>
+            <p:cNvPr id="2062" name="Picture 14" descr="Forms response chart. Question title: Year. Number of responses: 42 responses.">
+              <a:extLst>
+                <a:ext uri="{FF2B5EF4-FFF2-40B4-BE49-F238E27FC236}">
+                  <a16:creationId xmlns:a16="http://schemas.microsoft.com/office/drawing/2014/main" id="{6691B7A0-12B3-4076-AE09-9E7522FE24C4}"/>
+                </a:ext>
+              </a:extLst>
+            </p:cNvPr>
+            <p:cNvPicPr>
+              <a:picLocks noChangeAspect="1" noChangeArrowheads="1"/>
+            </p:cNvPicPr>
+            <p:nvPr/>
+          </p:nvPicPr>
+          <p:blipFill rotWithShape="1">
+            <a:blip r:embed="rId7" cstate="print">
+              <a:extLst>
+                <a:ext uri="{28A0092B-C50C-407E-A947-70E740481C1C}">
+                  <a14:useLocalDpi xmlns:a14="http://schemas.microsoft.com/office/drawing/2010/main" val="0"/>
+                </a:ext>
+              </a:extLst>
+            </a:blip>
+            <a:srcRect l="15096" t="26990" r="14930" b="6627"/>
+            <a:stretch/>
+          </p:blipFill>
+          <p:spPr bwMode="auto">
+            <a:xfrm>
+              <a:off x="1366820" y="910219"/>
+              <a:ext cx="3687797" cy="1613508"/>
+            </a:xfrm>
+            <a:prstGeom prst="roundRect">
+              <a:avLst>
+                <a:gd name="adj" fmla="val 8594"/>
+              </a:avLst>
+            </a:prstGeom>
+            <a:solidFill>
+              <a:srgbClr val="FFFFFF">
+                <a:shade val="85000"/>
+              </a:srgbClr>
+            </a:solidFill>
+            <a:ln>
+              <a:noFill/>
+            </a:ln>
+            <a:effectLst>
+              <a:reflection blurRad="12700" stA="38000" endPos="28000" dist="5000" dir="5400000" sy="-100000" algn="bl" rotWithShape="0"/>
+            </a:effectLst>
+          </p:spPr>
+        </p:pic>
+      </p:grpSp>
     </p:spTree>
     <p:extLst>
       <p:ext uri="{BB962C8B-B14F-4D97-AF65-F5344CB8AC3E}">
@@ -8647,7 +8771,7 @@
         </p:nvSpPr>
         <p:spPr>
           <a:xfrm>
-            <a:off x="2529497" y="4975201"/>
+            <a:off x="2529498" y="2371701"/>
             <a:ext cx="7133003" cy="646331"/>
           </a:xfrm>
           <a:prstGeom prst="rect">
@@ -9067,7 +9191,7 @@
         </p:spPr>
         <p:txBody>
           <a:bodyPr>
-            <a:normAutofit fontScale="92500" lnSpcReduction="10000"/>
+            <a:normAutofit/>
           </a:bodyPr>
           <a:lstStyle/>
           <a:p>
@@ -9215,6 +9339,42 @@
             </a:r>
           </a:p>
           <a:p>
+            <a:pPr marL="505550" indent="-285750" defTabSz="914400">
+              <a:lnSpc>
+                <a:spcPct val="115000"/>
+              </a:lnSpc>
+              <a:spcBef>
+                <a:spcPts val="0"/>
+              </a:spcBef>
+              <a:buClr>
+                <a:srgbClr val="FFFFFF"/>
+              </a:buClr>
+              <a:buSzPts val="1400"/>
+              <a:buFont typeface="Arial" panose="020B0604020202020204" pitchFamily="34" charset="0"/>
+              <a:buChar char="•"/>
+            </a:pPr>
+            <a:r>
+              <a:rPr lang="en-US" b="1" kern="0" dirty="0">
+                <a:ln w="9525">
+                  <a:solidFill>
+                    <a:schemeClr val="bg1"/>
+                  </a:solidFill>
+                  <a:prstDash val="solid"/>
+                </a:ln>
+                <a:effectLst>
+                  <a:outerShdw blurRad="12700" dist="38100" dir="2700000" algn="tl" rotWithShape="0">
+                    <a:schemeClr val="bg1">
+                      <a:lumMod val="50000"/>
+                    </a:schemeClr>
+                  </a:outerShdw>
+                </a:effectLst>
+                <a:latin typeface="Average"/>
+                <a:sym typeface="Average"/>
+              </a:rPr>
+              <a:t>Build, test, analyze, optimize</a:t>
+            </a:r>
+          </a:p>
+          <a:p>
             <a:pPr marL="436950" indent="-285750" defTabSz="914400">
               <a:lnSpc>
                 <a:spcPct val="115000"/>
@@ -9283,47 +9443,7 @@
                 <a:latin typeface="Average"/>
                 <a:sym typeface="Average"/>
               </a:rPr>
-              <a:t>10,000 </a:t>
-            </a:r>
-            <a:r>
-              <a:rPr lang="en-US" b="1" kern="0" dirty="0" err="1">
-                <a:ln w="9525">
-                  <a:solidFill>
-                    <a:schemeClr val="bg1"/>
-                  </a:solidFill>
-                  <a:prstDash val="solid"/>
-                </a:ln>
-                <a:effectLst>
-                  <a:outerShdw blurRad="12700" dist="38100" dir="2700000" algn="tl" rotWithShape="0">
-                    <a:schemeClr val="bg1">
-                      <a:lumMod val="50000"/>
-                    </a:schemeClr>
-                  </a:outerShdw>
-                </a:effectLst>
-                <a:latin typeface="Average"/>
-                <a:sym typeface="Average"/>
-              </a:rPr>
-              <a:t>ft</a:t>
-            </a:r>
-            <a:r>
-              <a:rPr lang="en-US" b="1" kern="0" dirty="0">
-                <a:ln w="9525">
-                  <a:solidFill>
-                    <a:schemeClr val="bg1"/>
-                  </a:solidFill>
-                  <a:prstDash val="solid"/>
-                </a:ln>
-                <a:effectLst>
-                  <a:outerShdw blurRad="12700" dist="38100" dir="2700000" algn="tl" rotWithShape="0">
-                    <a:schemeClr val="bg1">
-                      <a:lumMod val="50000"/>
-                    </a:schemeClr>
-                  </a:outerShdw>
-                </a:effectLst>
-                <a:latin typeface="Average"/>
-                <a:sym typeface="Average"/>
-              </a:rPr>
-              <a:t> altitude student researched and developed hybrid class</a:t>
+              <a:t>Student researched and developed hybrid class</a:t>
             </a:r>
           </a:p>
           <a:p>
@@ -9360,78 +9480,6 @@
                 <a:sym typeface="Average"/>
               </a:rPr>
               <a:t>Target apogee 10,000 feet </a:t>
-            </a:r>
-          </a:p>
-          <a:p>
-            <a:pPr marL="436950" indent="-285750" defTabSz="914400">
-              <a:lnSpc>
-                <a:spcPct val="115000"/>
-              </a:lnSpc>
-              <a:spcBef>
-                <a:spcPts val="0"/>
-              </a:spcBef>
-              <a:buClr>
-                <a:srgbClr val="FFFFFF"/>
-              </a:buClr>
-              <a:buSzPts val="1800"/>
-              <a:buFont typeface="Arial" panose="020B0604020202020204" pitchFamily="34" charset="0"/>
-              <a:buChar char="•"/>
-            </a:pPr>
-            <a:r>
-              <a:rPr lang="en-US" sz="1800" b="1" kern="0" dirty="0">
-                <a:ln w="9525">
-                  <a:solidFill>
-                    <a:schemeClr val="bg1"/>
-                  </a:solidFill>
-                  <a:prstDash val="solid"/>
-                </a:ln>
-                <a:effectLst>
-                  <a:outerShdw blurRad="12700" dist="38100" dir="2700000" algn="tl" rotWithShape="0">
-                    <a:schemeClr val="bg1">
-                      <a:lumMod val="50000"/>
-                    </a:schemeClr>
-                  </a:outerShdw>
-                </a:effectLst>
-                <a:latin typeface="Average"/>
-                <a:sym typeface="Average"/>
-              </a:rPr>
-              <a:t>Build, test, analyze, optimize</a:t>
-            </a:r>
-          </a:p>
-          <a:p>
-            <a:pPr marL="436950" indent="-285750" defTabSz="914400">
-              <a:lnSpc>
-                <a:spcPct val="115000"/>
-              </a:lnSpc>
-              <a:spcBef>
-                <a:spcPts val="0"/>
-              </a:spcBef>
-              <a:buClr>
-                <a:srgbClr val="FFFFFF"/>
-              </a:buClr>
-              <a:buSzPts val="1800"/>
-              <a:buFont typeface="Arial" panose="020B0604020202020204" pitchFamily="34" charset="0"/>
-              <a:buChar char="•"/>
-            </a:pPr>
-            <a:r>
-              <a:rPr lang="en-US" sz="1800" b="1" kern="0" dirty="0">
-                <a:ln w="9525">
-                  <a:solidFill>
-                    <a:schemeClr val="bg1"/>
-                  </a:solidFill>
-                  <a:prstDash val="solid"/>
-                </a:ln>
-                <a:effectLst>
-                  <a:outerShdw blurRad="12700" dist="38100" dir="2700000" algn="tl" rotWithShape="0">
-                    <a:schemeClr val="bg1">
-                      <a:lumMod val="50000"/>
-                    </a:schemeClr>
-                  </a:outerShdw>
-                </a:effectLst>
-                <a:latin typeface="Average"/>
-                <a:sym typeface="Average"/>
-              </a:rPr>
-              <a:t>Need people who understand manufacturing techniques as well as proficient in FEA/Solidworks</a:t>
             </a:r>
           </a:p>
           <a:p>
@@ -9958,7 +10006,7 @@
         </p:blipFill>
         <p:spPr bwMode="auto">
           <a:xfrm>
-            <a:off x="10000567" y="2551348"/>
+            <a:off x="10000567" y="2672560"/>
             <a:ext cx="1657879" cy="1560837"/>
           </a:xfrm>
           <a:prstGeom prst="rect">
@@ -10032,8 +10080,55 @@
         </p:blipFill>
         <p:spPr bwMode="auto">
           <a:xfrm>
-            <a:off x="9289740" y="1105092"/>
+            <a:off x="9412253" y="1258727"/>
             <a:ext cx="2676287" cy="1338144"/>
+          </a:xfrm>
+          <a:prstGeom prst="rect">
+            <a:avLst/>
+          </a:prstGeom>
+          <a:noFill/>
+          <a:extLst>
+            <a:ext uri="{909E8E84-426E-40DD-AFC4-6F175D3DCCD1}">
+              <a14:hiddenFill xmlns:a14="http://schemas.microsoft.com/office/drawing/2010/main">
+                <a:solidFill>
+                  <a:srgbClr val="FFFFFF"/>
+                </a:solidFill>
+              </a14:hiddenFill>
+            </a:ext>
+          </a:extLst>
+        </p:spPr>
+      </p:pic>
+      <p:pic>
+        <p:nvPicPr>
+          <p:cNvPr id="4" name="Picture 2" descr="Image result for spacex logo">
+            <a:extLst>
+              <a:ext uri="{FF2B5EF4-FFF2-40B4-BE49-F238E27FC236}">
+                <a16:creationId xmlns:a16="http://schemas.microsoft.com/office/drawing/2014/main" id="{28F113D7-C37D-4773-A156-E57458D4CD16}"/>
+              </a:ext>
+            </a:extLst>
+          </p:cNvPr>
+          <p:cNvPicPr>
+            <a:picLocks noChangeAspect="1" noChangeArrowheads="1"/>
+          </p:cNvPicPr>
+          <p:nvPr/>
+        </p:nvPicPr>
+        <p:blipFill>
+          <a:blip r:embed="rId14">
+            <a:extLst>
+              <a:ext uri="{28A0092B-C50C-407E-A947-70E740481C1C}">
+                <a14:useLocalDpi xmlns:a14="http://schemas.microsoft.com/office/drawing/2010/main" val="0"/>
+              </a:ext>
+            </a:extLst>
+          </a:blip>
+          <a:srcRect/>
+          <a:stretch>
+            <a:fillRect/>
+          </a:stretch>
+        </p:blipFill>
+        <p:spPr bwMode="auto">
+          <a:xfrm>
+            <a:off x="9894005" y="280210"/>
+            <a:ext cx="1712781" cy="1135648"/>
           </a:xfrm>
           <a:prstGeom prst="rect">
             <a:avLst/>
@@ -10626,6 +10721,1188 @@
     <p:extLst>
       <p:ext uri="{BB962C8B-B14F-4D97-AF65-F5344CB8AC3E}">
         <p14:creationId xmlns:p14="http://schemas.microsoft.com/office/powerpoint/2010/main" val="2224491927"/>
+      </p:ext>
+    </p:extLst>
+  </p:cSld>
+  <p:clrMapOvr>
+    <a:masterClrMapping/>
+  </p:clrMapOvr>
+</p:sld>
+</file>
+
+<file path=ppt/slides/slide7.xml><?xml version="1.0" encoding="utf-8"?>
+<p:sld xmlns:a="http://schemas.openxmlformats.org/drawingml/2006/main" xmlns:r="http://schemas.openxmlformats.org/officeDocument/2006/relationships" xmlns:p="http://schemas.openxmlformats.org/presentationml/2006/main">
+  <p:cSld>
+    <p:bg>
+      <p:bgPr>
+        <a:blipFill rotWithShape="1">
+          <a:blip r:embed="rId3">
+            <a:duotone>
+              <a:schemeClr val="bg2">
+                <a:shade val="80000"/>
+                <a:lumMod val="80000"/>
+              </a:schemeClr>
+              <a:schemeClr val="bg2">
+                <a:tint val="98000"/>
+              </a:schemeClr>
+            </a:duotone>
+          </a:blip>
+          <a:stretch/>
+        </a:blipFill>
+        <a:effectLst/>
+      </p:bgPr>
+    </p:bg>
+    <p:spTree>
+      <p:nvGrpSpPr>
+        <p:cNvPr id="1" name=""/>
+        <p:cNvGrpSpPr/>
+        <p:nvPr/>
+      </p:nvGrpSpPr>
+      <p:grpSpPr>
+        <a:xfrm>
+          <a:off x="0" y="0"/>
+          <a:ext cx="0" cy="0"/>
+          <a:chOff x="0" y="0"/>
+          <a:chExt cx="0" cy="0"/>
+        </a:xfrm>
+      </p:grpSpPr>
+      <p:sp useBgFill="1">
+        <p:nvSpPr>
+          <p:cNvPr id="77" name="Rectangle 76">
+            <a:extLst>
+              <a:ext uri="{FF2B5EF4-FFF2-40B4-BE49-F238E27FC236}">
+                <a16:creationId xmlns:a16="http://schemas.microsoft.com/office/drawing/2014/main" id="{D9D9D0AB-1E2F-44A8-B9C6-FA4098301883}"/>
+              </a:ext>
+              <a:ext uri="{C183D7F6-B498-43B3-948B-1728B52AA6E4}">
+                <adec:decorative xmlns:adec="http://schemas.microsoft.com/office/drawing/2017/decorative" val="1"/>
+              </a:ext>
+            </a:extLst>
+          </p:cNvPr>
+          <p:cNvSpPr>
+            <a:spLocks noGrp="1" noRot="1" noChangeAspect="1" noMove="1" noResize="1" noEditPoints="1" noAdjustHandles="1" noChangeArrowheads="1" noChangeShapeType="1" noTextEdit="1"/>
+          </p:cNvSpPr>
+          <p:nvPr>
+            <p:extLst>
+              <p:ext uri="{386F3935-93C4-4BCD-93E2-E3B085C9AB24}">
+                <p16:designElem xmlns:p16="http://schemas.microsoft.com/office/powerpoint/2015/main" val="1"/>
+              </p:ext>
+            </p:extLst>
+          </p:nvPr>
+        </p:nvSpPr>
+        <p:spPr>
+          <a:xfrm>
+            <a:off x="0" y="0"/>
+            <a:ext cx="12192000" cy="6858000"/>
+          </a:xfrm>
+          <a:prstGeom prst="rect">
+            <a:avLst/>
+          </a:prstGeom>
+          <a:ln>
+            <a:noFill/>
+          </a:ln>
+        </p:spPr>
+        <p:style>
+          <a:lnRef idx="2">
+            <a:schemeClr val="accent1">
+              <a:shade val="50000"/>
+            </a:schemeClr>
+          </a:lnRef>
+          <a:fillRef idx="1">
+            <a:schemeClr val="accent1"/>
+          </a:fillRef>
+          <a:effectRef idx="0">
+            <a:schemeClr val="accent1"/>
+          </a:effectRef>
+          <a:fontRef idx="minor">
+            <a:schemeClr val="lt1"/>
+          </a:fontRef>
+        </p:style>
+        <p:txBody>
+          <a:bodyPr rtlCol="0" anchor="ctr"/>
+          <a:lstStyle/>
+          <a:p>
+            <a:pPr algn="ctr"/>
+            <a:endParaRPr lang="en-US"/>
+          </a:p>
+        </p:txBody>
+      </p:sp>
+      <p:sp>
+        <p:nvSpPr>
+          <p:cNvPr id="2" name="Title 1"/>
+          <p:cNvSpPr>
+            <a:spLocks noGrp="1"/>
+          </p:cNvSpPr>
+          <p:nvPr>
+            <p:ph type="title"/>
+          </p:nvPr>
+        </p:nvSpPr>
+        <p:spPr>
+          <a:xfrm>
+            <a:off x="4710363" y="4192241"/>
+            <a:ext cx="6211956" cy="1377190"/>
+          </a:xfrm>
+        </p:spPr>
+        <p:txBody>
+          <a:bodyPr vert="horz" lIns="91440" tIns="45720" rIns="91440" bIns="45720" rtlCol="0" anchor="b">
+            <a:normAutofit/>
+          </a:bodyPr>
+          <a:lstStyle/>
+          <a:p>
+            <a:pPr algn="l">
+              <a:lnSpc>
+                <a:spcPct val="90000"/>
+              </a:lnSpc>
+            </a:pPr>
+            <a:r>
+              <a:rPr lang="en-US" sz="4400" b="1" cap="none"/>
+              <a:t>Community Engagement</a:t>
+            </a:r>
+          </a:p>
+        </p:txBody>
+      </p:sp>
+      <p:sp>
+        <p:nvSpPr>
+          <p:cNvPr id="79" name="Rectangle: Top Corners Rounded 78">
+            <a:extLst>
+              <a:ext uri="{FF2B5EF4-FFF2-40B4-BE49-F238E27FC236}">
+                <a16:creationId xmlns:a16="http://schemas.microsoft.com/office/drawing/2014/main" id="{C93C87AB-E50E-4BCB-A91F-09DD6A3479C4}"/>
+              </a:ext>
+              <a:ext uri="{C183D7F6-B498-43B3-948B-1728B52AA6E4}">
+                <adec:decorative xmlns:adec="http://schemas.microsoft.com/office/drawing/2017/decorative" val="1"/>
+              </a:ext>
+            </a:extLst>
+          </p:cNvPr>
+          <p:cNvSpPr>
+            <a:spLocks noGrp="1" noRot="1" noChangeAspect="1" noMove="1" noResize="1" noEditPoints="1" noAdjustHandles="1" noChangeArrowheads="1" noChangeShapeType="1" noTextEdit="1"/>
+          </p:cNvSpPr>
+          <p:nvPr>
+            <p:extLst>
+              <p:ext uri="{386F3935-93C4-4BCD-93E2-E3B085C9AB24}">
+                <p16:designElem xmlns:p16="http://schemas.microsoft.com/office/powerpoint/2015/main" val="1"/>
+              </p:ext>
+            </p:extLst>
+          </p:nvPr>
+        </p:nvSpPr>
+        <p:spPr>
+          <a:xfrm rot="16200000" flipH="1" flipV="1">
+            <a:off x="-555276" y="1209913"/>
+            <a:ext cx="5221378" cy="4110824"/>
+          </a:xfrm>
+          <a:prstGeom prst="round2SameRect">
+            <a:avLst>
+              <a:gd name="adj1" fmla="val 3138"/>
+              <a:gd name="adj2" fmla="val 235"/>
+            </a:avLst>
+          </a:prstGeom>
+          <a:solidFill>
+            <a:schemeClr val="tx1">
+              <a:alpha val="80000"/>
+            </a:schemeClr>
+          </a:solidFill>
+          <a:ln>
+            <a:noFill/>
+          </a:ln>
+        </p:spPr>
+        <p:style>
+          <a:lnRef idx="2">
+            <a:schemeClr val="accent1">
+              <a:shade val="50000"/>
+            </a:schemeClr>
+          </a:lnRef>
+          <a:fillRef idx="1">
+            <a:schemeClr val="accent1"/>
+          </a:fillRef>
+          <a:effectRef idx="0">
+            <a:schemeClr val="accent1"/>
+          </a:effectRef>
+          <a:fontRef idx="minor">
+            <a:schemeClr val="lt1"/>
+          </a:fontRef>
+        </p:style>
+        <p:txBody>
+          <a:bodyPr rtlCol="0" anchor="ctr"/>
+          <a:lstStyle/>
+          <a:p>
+            <a:pPr algn="ctr"/>
+            <a:endParaRPr lang="en-US"/>
+          </a:p>
+        </p:txBody>
+      </p:sp>
+      <p:pic>
+        <p:nvPicPr>
+          <p:cNvPr id="2052" name="Picture 4" descr="Image result for yuris night boston">
+            <a:extLst>
+              <a:ext uri="{FF2B5EF4-FFF2-40B4-BE49-F238E27FC236}">
+                <a16:creationId xmlns:a16="http://schemas.microsoft.com/office/drawing/2014/main" id="{3273BEE6-3D17-4CDF-8650-7821403D3091}"/>
+              </a:ext>
+            </a:extLst>
+          </p:cNvPr>
+          <p:cNvPicPr>
+            <a:picLocks noChangeAspect="1" noChangeArrowheads="1"/>
+          </p:cNvPicPr>
+          <p:nvPr/>
+        </p:nvPicPr>
+        <p:blipFill rotWithShape="1">
+          <a:blip r:embed="rId4">
+            <a:extLst>
+              <a:ext uri="{28A0092B-C50C-407E-A947-70E740481C1C}">
+                <a14:useLocalDpi xmlns:a14="http://schemas.microsoft.com/office/drawing/2010/main" val="0"/>
+              </a:ext>
+            </a:extLst>
+          </a:blip>
+          <a:srcRect l="54984" r="-2" b="-2"/>
+          <a:stretch/>
+        </p:blipFill>
+        <p:spPr bwMode="auto">
+          <a:xfrm>
+            <a:off x="1" y="819305"/>
+            <a:ext cx="3950208" cy="4892040"/>
+          </a:xfrm>
+          <a:custGeom>
+            <a:avLst/>
+            <a:gdLst>
+              <a:gd name="connsiteX0" fmla="*/ 9283 w 3950208"/>
+              <a:gd name="connsiteY0" fmla="*/ 0 h 4892040"/>
+              <a:gd name="connsiteX1" fmla="*/ 3826250 w 3950208"/>
+              <a:gd name="connsiteY1" fmla="*/ 0 h 4892040"/>
+              <a:gd name="connsiteX2" fmla="*/ 3950208 w 3950208"/>
+              <a:gd name="connsiteY2" fmla="*/ 123958 h 4892040"/>
+              <a:gd name="connsiteX3" fmla="*/ 3950208 w 3950208"/>
+              <a:gd name="connsiteY3" fmla="*/ 4768082 h 4892040"/>
+              <a:gd name="connsiteX4" fmla="*/ 3826250 w 3950208"/>
+              <a:gd name="connsiteY4" fmla="*/ 4892040 h 4892040"/>
+              <a:gd name="connsiteX5" fmla="*/ 9283 w 3950208"/>
+              <a:gd name="connsiteY5" fmla="*/ 4892040 h 4892040"/>
+              <a:gd name="connsiteX6" fmla="*/ 0 w 3950208"/>
+              <a:gd name="connsiteY6" fmla="*/ 4882757 h 4892040"/>
+              <a:gd name="connsiteX7" fmla="*/ 0 w 3950208"/>
+              <a:gd name="connsiteY7" fmla="*/ 9283 h 4892040"/>
+              <a:gd name="connsiteX8" fmla="*/ 9283 w 3950208"/>
+              <a:gd name="connsiteY8" fmla="*/ 0 h 4892040"/>
+            </a:gdLst>
+            <a:ahLst/>
+            <a:cxnLst>
+              <a:cxn ang="0">
+                <a:pos x="connsiteX0" y="connsiteY0"/>
+              </a:cxn>
+              <a:cxn ang="0">
+                <a:pos x="connsiteX1" y="connsiteY1"/>
+              </a:cxn>
+              <a:cxn ang="0">
+                <a:pos x="connsiteX2" y="connsiteY2"/>
+              </a:cxn>
+              <a:cxn ang="0">
+                <a:pos x="connsiteX3" y="connsiteY3"/>
+              </a:cxn>
+              <a:cxn ang="0">
+                <a:pos x="connsiteX4" y="connsiteY4"/>
+              </a:cxn>
+              <a:cxn ang="0">
+                <a:pos x="connsiteX5" y="connsiteY5"/>
+              </a:cxn>
+              <a:cxn ang="0">
+                <a:pos x="connsiteX6" y="connsiteY6"/>
+              </a:cxn>
+              <a:cxn ang="0">
+                <a:pos x="connsiteX7" y="connsiteY7"/>
+              </a:cxn>
+              <a:cxn ang="0">
+                <a:pos x="connsiteX8" y="connsiteY8"/>
+              </a:cxn>
+            </a:cxnLst>
+            <a:rect l="l" t="t" r="r" b="b"/>
+            <a:pathLst>
+              <a:path w="3950208" h="4892040">
+                <a:moveTo>
+                  <a:pt x="9283" y="0"/>
+                </a:moveTo>
+                <a:lnTo>
+                  <a:pt x="3826250" y="0"/>
+                </a:lnTo>
+                <a:cubicBezTo>
+                  <a:pt x="3894710" y="0"/>
+                  <a:pt x="3950208" y="55498"/>
+                  <a:pt x="3950208" y="123958"/>
+                </a:cubicBezTo>
+                <a:lnTo>
+                  <a:pt x="3950208" y="4768082"/>
+                </a:lnTo>
+                <a:cubicBezTo>
+                  <a:pt x="3950208" y="4836542"/>
+                  <a:pt x="3894710" y="4892040"/>
+                  <a:pt x="3826250" y="4892040"/>
+                </a:cubicBezTo>
+                <a:lnTo>
+                  <a:pt x="9283" y="4892040"/>
+                </a:lnTo>
+                <a:cubicBezTo>
+                  <a:pt x="4156" y="4892040"/>
+                  <a:pt x="0" y="4887884"/>
+                  <a:pt x="0" y="4882757"/>
+                </a:cubicBezTo>
+                <a:lnTo>
+                  <a:pt x="0" y="9283"/>
+                </a:lnTo>
+                <a:cubicBezTo>
+                  <a:pt x="0" y="4156"/>
+                  <a:pt x="4156" y="0"/>
+                  <a:pt x="9283" y="0"/>
+                </a:cubicBezTo>
+                <a:close/>
+              </a:path>
+            </a:pathLst>
+          </a:custGeom>
+          <a:noFill/>
+          <a:extLst>
+            <a:ext uri="{909E8E84-426E-40DD-AFC4-6F175D3DCCD1}">
+              <a14:hiddenFill xmlns:a14="http://schemas.microsoft.com/office/drawing/2010/main">
+                <a:solidFill>
+                  <a:srgbClr val="FFFFFF"/>
+                </a:solidFill>
+              </a14:hiddenFill>
+            </a:ext>
+          </a:extLst>
+        </p:spPr>
+      </p:pic>
+      <p:sp>
+        <p:nvSpPr>
+          <p:cNvPr id="81" name="Rectangle: Top Corners Rounded 80">
+            <a:extLst>
+              <a:ext uri="{FF2B5EF4-FFF2-40B4-BE49-F238E27FC236}">
+                <a16:creationId xmlns:a16="http://schemas.microsoft.com/office/drawing/2014/main" id="{9DC3C9DC-A64F-4BCA-8AF4-5AF06BD38FD7}"/>
+              </a:ext>
+              <a:ext uri="{C183D7F6-B498-43B3-948B-1728B52AA6E4}">
+                <adec:decorative xmlns:adec="http://schemas.microsoft.com/office/drawing/2017/decorative" val="1"/>
+              </a:ext>
+            </a:extLst>
+          </p:cNvPr>
+          <p:cNvSpPr>
+            <a:spLocks noGrp="1" noRot="1" noChangeAspect="1" noMove="1" noResize="1" noEditPoints="1" noAdjustHandles="1" noChangeArrowheads="1" noChangeShapeType="1" noTextEdit="1"/>
+          </p:cNvSpPr>
+          <p:nvPr>
+            <p:extLst>
+              <p:ext uri="{386F3935-93C4-4BCD-93E2-E3B085C9AB24}">
+                <p16:designElem xmlns:p16="http://schemas.microsoft.com/office/powerpoint/2015/main" val="1"/>
+              </p:ext>
+            </p:extLst>
+          </p:nvPr>
+        </p:nvSpPr>
+        <p:spPr>
+          <a:xfrm flipV="1">
+            <a:off x="4557304" y="0"/>
+            <a:ext cx="3712695" cy="3162712"/>
+          </a:xfrm>
+          <a:prstGeom prst="round2SameRect">
+            <a:avLst>
+              <a:gd name="adj1" fmla="val 4111"/>
+              <a:gd name="adj2" fmla="val 0"/>
+            </a:avLst>
+          </a:prstGeom>
+          <a:solidFill>
+            <a:schemeClr val="tx1">
+              <a:alpha val="80000"/>
+            </a:schemeClr>
+          </a:solidFill>
+          <a:ln>
+            <a:noFill/>
+          </a:ln>
+        </p:spPr>
+        <p:style>
+          <a:lnRef idx="2">
+            <a:schemeClr val="accent1">
+              <a:shade val="50000"/>
+            </a:schemeClr>
+          </a:lnRef>
+          <a:fillRef idx="1">
+            <a:schemeClr val="accent1"/>
+          </a:fillRef>
+          <a:effectRef idx="0">
+            <a:schemeClr val="accent1"/>
+          </a:effectRef>
+          <a:fontRef idx="minor">
+            <a:schemeClr val="lt1"/>
+          </a:fontRef>
+        </p:style>
+        <p:txBody>
+          <a:bodyPr rtlCol="0" anchor="ctr"/>
+          <a:lstStyle/>
+          <a:p>
+            <a:pPr algn="ctr"/>
+            <a:endParaRPr lang="en-US"/>
+          </a:p>
+        </p:txBody>
+      </p:sp>
+      <p:pic>
+        <p:nvPicPr>
+          <p:cNvPr id="2050" name="Picture 2" descr="Image result for estes rocket building">
+            <a:extLst>
+              <a:ext uri="{FF2B5EF4-FFF2-40B4-BE49-F238E27FC236}">
+                <a16:creationId xmlns:a16="http://schemas.microsoft.com/office/drawing/2014/main" id="{0AB27732-33CE-4954-92C5-A76F3F414BB8}"/>
+              </a:ext>
+            </a:extLst>
+          </p:cNvPr>
+          <p:cNvPicPr>
+            <a:picLocks noChangeAspect="1" noChangeArrowheads="1"/>
+          </p:cNvPicPr>
+          <p:nvPr/>
+        </p:nvPicPr>
+        <p:blipFill rotWithShape="1">
+          <a:blip r:embed="rId5">
+            <a:extLst>
+              <a:ext uri="{28A0092B-C50C-407E-A947-70E740481C1C}">
+                <a14:useLocalDpi xmlns:a14="http://schemas.microsoft.com/office/drawing/2010/main" val="0"/>
+              </a:ext>
+            </a:extLst>
+          </a:blip>
+          <a:srcRect l="30937" r="5611" b="1"/>
+          <a:stretch/>
+        </p:blipFill>
+        <p:spPr bwMode="auto">
+          <a:xfrm>
+            <a:off x="4722011" y="10"/>
+            <a:ext cx="3383280" cy="2999222"/>
+          </a:xfrm>
+          <a:custGeom>
+            <a:avLst/>
+            <a:gdLst>
+              <a:gd name="connsiteX0" fmla="*/ 0 w 3383280"/>
+              <a:gd name="connsiteY0" fmla="*/ 0 h 2999232"/>
+              <a:gd name="connsiteX1" fmla="*/ 3383280 w 3383280"/>
+              <a:gd name="connsiteY1" fmla="*/ 0 h 2999232"/>
+              <a:gd name="connsiteX2" fmla="*/ 3383280 w 3383280"/>
+              <a:gd name="connsiteY2" fmla="*/ 2875934 h 2999232"/>
+              <a:gd name="connsiteX3" fmla="*/ 3259982 w 3383280"/>
+              <a:gd name="connsiteY3" fmla="*/ 2999232 h 2999232"/>
+              <a:gd name="connsiteX4" fmla="*/ 123298 w 3383280"/>
+              <a:gd name="connsiteY4" fmla="*/ 2999232 h 2999232"/>
+              <a:gd name="connsiteX5" fmla="*/ 0 w 3383280"/>
+              <a:gd name="connsiteY5" fmla="*/ 2875934 h 2999232"/>
+            </a:gdLst>
+            <a:ahLst/>
+            <a:cxnLst>
+              <a:cxn ang="0">
+                <a:pos x="connsiteX0" y="connsiteY0"/>
+              </a:cxn>
+              <a:cxn ang="0">
+                <a:pos x="connsiteX1" y="connsiteY1"/>
+              </a:cxn>
+              <a:cxn ang="0">
+                <a:pos x="connsiteX2" y="connsiteY2"/>
+              </a:cxn>
+              <a:cxn ang="0">
+                <a:pos x="connsiteX3" y="connsiteY3"/>
+              </a:cxn>
+              <a:cxn ang="0">
+                <a:pos x="connsiteX4" y="connsiteY4"/>
+              </a:cxn>
+              <a:cxn ang="0">
+                <a:pos x="connsiteX5" y="connsiteY5"/>
+              </a:cxn>
+            </a:cxnLst>
+            <a:rect l="l" t="t" r="r" b="b"/>
+            <a:pathLst>
+              <a:path w="3383280" h="2999232">
+                <a:moveTo>
+                  <a:pt x="0" y="0"/>
+                </a:moveTo>
+                <a:lnTo>
+                  <a:pt x="3383280" y="0"/>
+                </a:lnTo>
+                <a:lnTo>
+                  <a:pt x="3383280" y="2875934"/>
+                </a:lnTo>
+                <a:cubicBezTo>
+                  <a:pt x="3383280" y="2944030"/>
+                  <a:pt x="3328078" y="2999232"/>
+                  <a:pt x="3259982" y="2999232"/>
+                </a:cubicBezTo>
+                <a:lnTo>
+                  <a:pt x="123298" y="2999232"/>
+                </a:lnTo>
+                <a:cubicBezTo>
+                  <a:pt x="55202" y="2999232"/>
+                  <a:pt x="0" y="2944030"/>
+                  <a:pt x="0" y="2875934"/>
+                </a:cubicBezTo>
+                <a:close/>
+              </a:path>
+            </a:pathLst>
+          </a:custGeom>
+          <a:noFill/>
+          <a:extLst>
+            <a:ext uri="{909E8E84-426E-40DD-AFC4-6F175D3DCCD1}">
+              <a14:hiddenFill xmlns:a14="http://schemas.microsoft.com/office/drawing/2010/main">
+                <a:solidFill>
+                  <a:srgbClr val="FFFFFF"/>
+                </a:solidFill>
+              </a14:hiddenFill>
+            </a:ext>
+          </a:extLst>
+        </p:spPr>
+      </p:pic>
+      <p:sp>
+        <p:nvSpPr>
+          <p:cNvPr id="83" name="Rectangle: Top Corners Rounded 82">
+            <a:extLst>
+              <a:ext uri="{FF2B5EF4-FFF2-40B4-BE49-F238E27FC236}">
+                <a16:creationId xmlns:a16="http://schemas.microsoft.com/office/drawing/2014/main" id="{F79A1D25-E857-4166-93CA-B8772927C91D}"/>
+              </a:ext>
+              <a:ext uri="{C183D7F6-B498-43B3-948B-1728B52AA6E4}">
+                <adec:decorative xmlns:adec="http://schemas.microsoft.com/office/drawing/2017/decorative" val="1"/>
+              </a:ext>
+            </a:extLst>
+          </p:cNvPr>
+          <p:cNvSpPr>
+            <a:spLocks noGrp="1" noRot="1" noChangeAspect="1" noMove="1" noResize="1" noEditPoints="1" noAdjustHandles="1" noChangeArrowheads="1" noChangeShapeType="1" noTextEdit="1"/>
+          </p:cNvSpPr>
+          <p:nvPr>
+            <p:extLst>
+              <p:ext uri="{386F3935-93C4-4BCD-93E2-E3B085C9AB24}">
+                <p16:designElem xmlns:p16="http://schemas.microsoft.com/office/powerpoint/2015/main" val="1"/>
+              </p:ext>
+            </p:extLst>
+          </p:nvPr>
+        </p:nvSpPr>
+        <p:spPr>
+          <a:xfrm rot="5400000" flipV="1">
+            <a:off x="8785858" y="631778"/>
+            <a:ext cx="3383284" cy="3429000"/>
+          </a:xfrm>
+          <a:prstGeom prst="round2SameRect">
+            <a:avLst>
+              <a:gd name="adj1" fmla="val 4111"/>
+              <a:gd name="adj2" fmla="val 235"/>
+            </a:avLst>
+          </a:prstGeom>
+          <a:solidFill>
+            <a:schemeClr val="tx1">
+              <a:alpha val="80000"/>
+            </a:schemeClr>
+          </a:solidFill>
+          <a:ln>
+            <a:noFill/>
+          </a:ln>
+        </p:spPr>
+        <p:style>
+          <a:lnRef idx="2">
+            <a:schemeClr val="accent1">
+              <a:shade val="50000"/>
+            </a:schemeClr>
+          </a:lnRef>
+          <a:fillRef idx="1">
+            <a:schemeClr val="accent1"/>
+          </a:fillRef>
+          <a:effectRef idx="0">
+            <a:schemeClr val="accent1"/>
+          </a:effectRef>
+          <a:fontRef idx="minor">
+            <a:schemeClr val="lt1"/>
+          </a:fontRef>
+        </p:style>
+        <p:txBody>
+          <a:bodyPr rtlCol="0" anchor="ctr"/>
+          <a:lstStyle/>
+          <a:p>
+            <a:pPr algn="ctr"/>
+            <a:endParaRPr lang="en-US"/>
+          </a:p>
+        </p:txBody>
+      </p:sp>
+      <p:pic>
+        <p:nvPicPr>
+          <p:cNvPr id="2056" name="Picture 8" descr="Image result for spacevision">
+            <a:extLst>
+              <a:ext uri="{FF2B5EF4-FFF2-40B4-BE49-F238E27FC236}">
+                <a16:creationId xmlns:a16="http://schemas.microsoft.com/office/drawing/2014/main" id="{90634D3A-DB20-4322-AC61-ED2761A72011}"/>
+              </a:ext>
+            </a:extLst>
+          </p:cNvPr>
+          <p:cNvPicPr>
+            <a:picLocks noChangeAspect="1" noChangeArrowheads="1"/>
+          </p:cNvPicPr>
+          <p:nvPr/>
+        </p:nvPicPr>
+        <p:blipFill rotWithShape="1">
+          <a:blip r:embed="rId6">
+            <a:extLst>
+              <a:ext uri="{28A0092B-C50C-407E-A947-70E740481C1C}">
+                <a14:useLocalDpi xmlns:a14="http://schemas.microsoft.com/office/drawing/2010/main" val="0"/>
+              </a:ext>
+            </a:extLst>
+          </a:blip>
+          <a:srcRect t="5292" b="1150"/>
+          <a:stretch/>
+        </p:blipFill>
+        <p:spPr bwMode="auto">
+          <a:xfrm>
+            <a:off x="8927592" y="819230"/>
+            <a:ext cx="3264408" cy="3054096"/>
+          </a:xfrm>
+          <a:custGeom>
+            <a:avLst/>
+            <a:gdLst>
+              <a:gd name="connsiteX0" fmla="*/ 87897 w 3264408"/>
+              <a:gd name="connsiteY0" fmla="*/ 0 h 3054096"/>
+              <a:gd name="connsiteX1" fmla="*/ 3264408 w 3264408"/>
+              <a:gd name="connsiteY1" fmla="*/ 0 h 3054096"/>
+              <a:gd name="connsiteX2" fmla="*/ 3264408 w 3264408"/>
+              <a:gd name="connsiteY2" fmla="*/ 3054096 h 3054096"/>
+              <a:gd name="connsiteX3" fmla="*/ 87897 w 3264408"/>
+              <a:gd name="connsiteY3" fmla="*/ 3054096 h 3054096"/>
+              <a:gd name="connsiteX4" fmla="*/ 0 w 3264408"/>
+              <a:gd name="connsiteY4" fmla="*/ 2966199 h 3054096"/>
+              <a:gd name="connsiteX5" fmla="*/ 0 w 3264408"/>
+              <a:gd name="connsiteY5" fmla="*/ 87897 h 3054096"/>
+              <a:gd name="connsiteX6" fmla="*/ 87897 w 3264408"/>
+              <a:gd name="connsiteY6" fmla="*/ 0 h 3054096"/>
+            </a:gdLst>
+            <a:ahLst/>
+            <a:cxnLst>
+              <a:cxn ang="0">
+                <a:pos x="connsiteX0" y="connsiteY0"/>
+              </a:cxn>
+              <a:cxn ang="0">
+                <a:pos x="connsiteX1" y="connsiteY1"/>
+              </a:cxn>
+              <a:cxn ang="0">
+                <a:pos x="connsiteX2" y="connsiteY2"/>
+              </a:cxn>
+              <a:cxn ang="0">
+                <a:pos x="connsiteX3" y="connsiteY3"/>
+              </a:cxn>
+              <a:cxn ang="0">
+                <a:pos x="connsiteX4" y="connsiteY4"/>
+              </a:cxn>
+              <a:cxn ang="0">
+                <a:pos x="connsiteX5" y="connsiteY5"/>
+              </a:cxn>
+              <a:cxn ang="0">
+                <a:pos x="connsiteX6" y="connsiteY6"/>
+              </a:cxn>
+            </a:cxnLst>
+            <a:rect l="l" t="t" r="r" b="b"/>
+            <a:pathLst>
+              <a:path w="3264408" h="3054096">
+                <a:moveTo>
+                  <a:pt x="87897" y="0"/>
+                </a:moveTo>
+                <a:lnTo>
+                  <a:pt x="3264408" y="0"/>
+                </a:lnTo>
+                <a:lnTo>
+                  <a:pt x="3264408" y="3054096"/>
+                </a:lnTo>
+                <a:lnTo>
+                  <a:pt x="87897" y="3054096"/>
+                </a:lnTo>
+                <a:cubicBezTo>
+                  <a:pt x="39353" y="3054096"/>
+                  <a:pt x="0" y="3014743"/>
+                  <a:pt x="0" y="2966199"/>
+                </a:cubicBezTo>
+                <a:lnTo>
+                  <a:pt x="0" y="87897"/>
+                </a:lnTo>
+                <a:cubicBezTo>
+                  <a:pt x="0" y="39353"/>
+                  <a:pt x="39353" y="0"/>
+                  <a:pt x="87897" y="0"/>
+                </a:cubicBezTo>
+                <a:close/>
+              </a:path>
+            </a:pathLst>
+          </a:custGeom>
+          <a:noFill/>
+          <a:extLst>
+            <a:ext uri="{909E8E84-426E-40DD-AFC4-6F175D3DCCD1}">
+              <a14:hiddenFill xmlns:a14="http://schemas.microsoft.com/office/drawing/2010/main">
+                <a:solidFill>
+                  <a:srgbClr val="FFFFFF"/>
+                </a:solidFill>
+              </a14:hiddenFill>
+            </a:ext>
+          </a:extLst>
+        </p:spPr>
+      </p:pic>
+      <p:grpSp>
+        <p:nvGrpSpPr>
+          <p:cNvPr id="19" name="Group 18"/>
+          <p:cNvGrpSpPr/>
+          <p:nvPr/>
+        </p:nvGrpSpPr>
+        <p:grpSpPr>
+          <a:xfrm>
+            <a:off x="-1" y="5853722"/>
+            <a:ext cx="12192001" cy="1004277"/>
+            <a:chOff x="0" y="2667000"/>
+            <a:chExt cx="12192001" cy="1524000"/>
+          </a:xfrm>
+        </p:grpSpPr>
+        <p:pic>
+          <p:nvPicPr>
+            <p:cNvPr id="20" name="Picture 2" descr="Image result for starry night background"/>
+            <p:cNvPicPr>
+              <a:picLocks noChangeAspect="1" noChangeArrowheads="1"/>
+            </p:cNvPicPr>
+            <p:nvPr/>
+          </p:nvPicPr>
+          <p:blipFill rotWithShape="1">
+            <a:blip r:embed="rId7" cstate="print">
+              <a:extLst>
+                <a:ext uri="{28A0092B-C50C-407E-A947-70E740481C1C}">
+                  <a14:useLocalDpi xmlns:a14="http://schemas.microsoft.com/office/drawing/2010/main" val="0"/>
+                </a:ext>
+              </a:extLst>
+            </a:blip>
+            <a:srcRect t="77212"/>
+            <a:stretch/>
+          </p:blipFill>
+          <p:spPr bwMode="auto">
+            <a:xfrm>
+              <a:off x="0" y="2667000"/>
+              <a:ext cx="12192000" cy="1524000"/>
+            </a:xfrm>
+            <a:prstGeom prst="rect">
+              <a:avLst/>
+            </a:prstGeom>
+            <a:noFill/>
+            <a:extLst>
+              <a:ext uri="{909E8E84-426E-40DD-AFC4-6F175D3DCCD1}">
+                <a14:hiddenFill xmlns:a14="http://schemas.microsoft.com/office/drawing/2010/main">
+                  <a:solidFill>
+                    <a:srgbClr val="FFFFFF"/>
+                  </a:solidFill>
+                </a14:hiddenFill>
+              </a:ext>
+            </a:extLst>
+          </p:spPr>
+        </p:pic>
+        <p:pic>
+          <p:nvPicPr>
+            <p:cNvPr id="21" name="Picture 20"/>
+            <p:cNvPicPr>
+              <a:picLocks noChangeAspect="1"/>
+            </p:cNvPicPr>
+            <p:nvPr/>
+          </p:nvPicPr>
+          <p:blipFill>
+            <a:blip r:embed="rId8" cstate="print">
+              <a:clrChange>
+                <a:clrFrom>
+                  <a:srgbClr val="000000"/>
+                </a:clrFrom>
+                <a:clrTo>
+                  <a:srgbClr val="000000">
+                    <a:alpha val="0"/>
+                  </a:srgbClr>
+                </a:clrTo>
+              </a:clrChange>
+              <a:biLevel thresh="25000"/>
+              <a:extLst>
+                <a:ext uri="{28A0092B-C50C-407E-A947-70E740481C1C}">
+                  <a14:useLocalDpi xmlns:a14="http://schemas.microsoft.com/office/drawing/2010/main" val="0"/>
+                </a:ext>
+              </a:extLst>
+            </a:blip>
+            <a:stretch>
+              <a:fillRect/>
+            </a:stretch>
+          </p:blipFill>
+          <p:spPr>
+            <a:xfrm>
+              <a:off x="1081507" y="2755764"/>
+              <a:ext cx="1755480" cy="1346470"/>
+            </a:xfrm>
+            <a:prstGeom prst="rect">
+              <a:avLst/>
+            </a:prstGeom>
+            <a:effectLst/>
+          </p:spPr>
+        </p:pic>
+        <p:sp>
+          <p:nvSpPr>
+            <p:cNvPr id="22" name="Subtitle 2"/>
+            <p:cNvSpPr txBox="1">
+              <a:spLocks/>
+            </p:cNvSpPr>
+            <p:nvPr/>
+          </p:nvSpPr>
+          <p:spPr>
+            <a:xfrm>
+              <a:off x="4644466" y="2755764"/>
+              <a:ext cx="7547535" cy="812006"/>
+            </a:xfrm>
+            <a:prstGeom prst="rect">
+              <a:avLst/>
+            </a:prstGeom>
+          </p:spPr>
+          <p:txBody>
+            <a:bodyPr vert="horz" lIns="152400" tIns="76200" rIns="152400" bIns="76200" rtlCol="0">
+              <a:noAutofit/>
+            </a:bodyPr>
+            <a:lstStyle>
+              <a:lvl1pPr marL="0" indent="0" algn="ctr" defTabSz="121890" rtl="0" eaLnBrk="1" latinLnBrk="0" hangingPunct="1">
+                <a:lnSpc>
+                  <a:spcPct val="90000"/>
+                </a:lnSpc>
+                <a:spcBef>
+                  <a:spcPts val="133"/>
+                </a:spcBef>
+                <a:buFont typeface="Arial" panose="020B0604020202020204" pitchFamily="34" charset="0"/>
+                <a:buNone/>
+                <a:defRPr sz="320" kern="1200">
+                  <a:solidFill>
+                    <a:schemeClr val="tx1"/>
+                  </a:solidFill>
+                  <a:latin typeface="+mn-lt"/>
+                  <a:ea typeface="+mn-ea"/>
+                  <a:cs typeface="+mn-cs"/>
+                </a:defRPr>
+              </a:lvl1pPr>
+              <a:lvl2pPr marL="60945" indent="0" algn="ctr" defTabSz="121890" rtl="0" eaLnBrk="1" latinLnBrk="0" hangingPunct="1">
+                <a:lnSpc>
+                  <a:spcPct val="90000"/>
+                </a:lnSpc>
+                <a:spcBef>
+                  <a:spcPts val="67"/>
+                </a:spcBef>
+                <a:buFont typeface="Arial" panose="020B0604020202020204" pitchFamily="34" charset="0"/>
+                <a:buNone/>
+                <a:defRPr sz="267" kern="1200">
+                  <a:solidFill>
+                    <a:schemeClr val="tx1"/>
+                  </a:solidFill>
+                  <a:latin typeface="+mn-lt"/>
+                  <a:ea typeface="+mn-ea"/>
+                  <a:cs typeface="+mn-cs"/>
+                </a:defRPr>
+              </a:lvl2pPr>
+              <a:lvl3pPr marL="121890" indent="0" algn="ctr" defTabSz="121890" rtl="0" eaLnBrk="1" latinLnBrk="0" hangingPunct="1">
+                <a:lnSpc>
+                  <a:spcPct val="90000"/>
+                </a:lnSpc>
+                <a:spcBef>
+                  <a:spcPts val="67"/>
+                </a:spcBef>
+                <a:buFont typeface="Arial" panose="020B0604020202020204" pitchFamily="34" charset="0"/>
+                <a:buNone/>
+                <a:defRPr sz="240" kern="1200">
+                  <a:solidFill>
+                    <a:schemeClr val="tx1"/>
+                  </a:solidFill>
+                  <a:latin typeface="+mn-lt"/>
+                  <a:ea typeface="+mn-ea"/>
+                  <a:cs typeface="+mn-cs"/>
+                </a:defRPr>
+              </a:lvl3pPr>
+              <a:lvl4pPr marL="182834" indent="0" algn="ctr" defTabSz="121890" rtl="0" eaLnBrk="1" latinLnBrk="0" hangingPunct="1">
+                <a:lnSpc>
+                  <a:spcPct val="90000"/>
+                </a:lnSpc>
+                <a:spcBef>
+                  <a:spcPts val="67"/>
+                </a:spcBef>
+                <a:buFont typeface="Arial" panose="020B0604020202020204" pitchFamily="34" charset="0"/>
+                <a:buNone/>
+                <a:defRPr sz="213" kern="1200">
+                  <a:solidFill>
+                    <a:schemeClr val="tx1"/>
+                  </a:solidFill>
+                  <a:latin typeface="+mn-lt"/>
+                  <a:ea typeface="+mn-ea"/>
+                  <a:cs typeface="+mn-cs"/>
+                </a:defRPr>
+              </a:lvl4pPr>
+              <a:lvl5pPr marL="243779" indent="0" algn="ctr" defTabSz="121890" rtl="0" eaLnBrk="1" latinLnBrk="0" hangingPunct="1">
+                <a:lnSpc>
+                  <a:spcPct val="90000"/>
+                </a:lnSpc>
+                <a:spcBef>
+                  <a:spcPts val="67"/>
+                </a:spcBef>
+                <a:buFont typeface="Arial" panose="020B0604020202020204" pitchFamily="34" charset="0"/>
+                <a:buNone/>
+                <a:defRPr sz="213" kern="1200">
+                  <a:solidFill>
+                    <a:schemeClr val="tx1"/>
+                  </a:solidFill>
+                  <a:latin typeface="+mn-lt"/>
+                  <a:ea typeface="+mn-ea"/>
+                  <a:cs typeface="+mn-cs"/>
+                </a:defRPr>
+              </a:lvl5pPr>
+              <a:lvl6pPr marL="304724" indent="0" algn="ctr" defTabSz="121890" rtl="0" eaLnBrk="1" latinLnBrk="0" hangingPunct="1">
+                <a:lnSpc>
+                  <a:spcPct val="90000"/>
+                </a:lnSpc>
+                <a:spcBef>
+                  <a:spcPts val="67"/>
+                </a:spcBef>
+                <a:buFont typeface="Arial" panose="020B0604020202020204" pitchFamily="34" charset="0"/>
+                <a:buNone/>
+                <a:defRPr sz="213" kern="1200">
+                  <a:solidFill>
+                    <a:schemeClr val="tx1"/>
+                  </a:solidFill>
+                  <a:latin typeface="+mn-lt"/>
+                  <a:ea typeface="+mn-ea"/>
+                  <a:cs typeface="+mn-cs"/>
+                </a:defRPr>
+              </a:lvl6pPr>
+              <a:lvl7pPr marL="365669" indent="0" algn="ctr" defTabSz="121890" rtl="0" eaLnBrk="1" latinLnBrk="0" hangingPunct="1">
+                <a:lnSpc>
+                  <a:spcPct val="90000"/>
+                </a:lnSpc>
+                <a:spcBef>
+                  <a:spcPts val="67"/>
+                </a:spcBef>
+                <a:buFont typeface="Arial" panose="020B0604020202020204" pitchFamily="34" charset="0"/>
+                <a:buNone/>
+                <a:defRPr sz="213" kern="1200">
+                  <a:solidFill>
+                    <a:schemeClr val="tx1"/>
+                  </a:solidFill>
+                  <a:latin typeface="+mn-lt"/>
+                  <a:ea typeface="+mn-ea"/>
+                  <a:cs typeface="+mn-cs"/>
+                </a:defRPr>
+              </a:lvl7pPr>
+              <a:lvl8pPr marL="426613" indent="0" algn="ctr" defTabSz="121890" rtl="0" eaLnBrk="1" latinLnBrk="0" hangingPunct="1">
+                <a:lnSpc>
+                  <a:spcPct val="90000"/>
+                </a:lnSpc>
+                <a:spcBef>
+                  <a:spcPts val="67"/>
+                </a:spcBef>
+                <a:buFont typeface="Arial" panose="020B0604020202020204" pitchFamily="34" charset="0"/>
+                <a:buNone/>
+                <a:defRPr sz="213" kern="1200">
+                  <a:solidFill>
+                    <a:schemeClr val="tx1"/>
+                  </a:solidFill>
+                  <a:latin typeface="+mn-lt"/>
+                  <a:ea typeface="+mn-ea"/>
+                  <a:cs typeface="+mn-cs"/>
+                </a:defRPr>
+              </a:lvl8pPr>
+              <a:lvl9pPr marL="487558" indent="0" algn="ctr" defTabSz="121890" rtl="0" eaLnBrk="1" latinLnBrk="0" hangingPunct="1">
+                <a:lnSpc>
+                  <a:spcPct val="90000"/>
+                </a:lnSpc>
+                <a:spcBef>
+                  <a:spcPts val="67"/>
+                </a:spcBef>
+                <a:buFont typeface="Arial" panose="020B0604020202020204" pitchFamily="34" charset="0"/>
+                <a:buNone/>
+                <a:defRPr sz="213" kern="1200">
+                  <a:solidFill>
+                    <a:schemeClr val="tx1"/>
+                  </a:solidFill>
+                  <a:latin typeface="+mn-lt"/>
+                  <a:ea typeface="+mn-ea"/>
+                  <a:cs typeface="+mn-cs"/>
+                </a:defRPr>
+              </a:lvl9pPr>
+            </a:lstStyle>
+            <a:p>
+              <a:r>
+                <a:rPr lang="en-US" sz="2333" b="1" dirty="0">
+                  <a:latin typeface="Calibri" panose="020F0502020204030204" pitchFamily="34" charset="0"/>
+                  <a:cs typeface="Calibri" panose="020F0502020204030204" pitchFamily="34" charset="0"/>
+                </a:rPr>
+                <a:t>University of New Hampshire</a:t>
+              </a:r>
+            </a:p>
+            <a:p>
+              <a:r>
+                <a:rPr lang="en-US" sz="2333" b="1" dirty="0">
+                  <a:latin typeface="Calibri" panose="020F0502020204030204" pitchFamily="34" charset="0"/>
+                  <a:cs typeface="Calibri" panose="020F0502020204030204" pitchFamily="34" charset="0"/>
+                </a:rPr>
+                <a:t>Students for the Exploration and Development of Space</a:t>
+              </a:r>
+            </a:p>
+          </p:txBody>
+        </p:sp>
+      </p:grpSp>
+      <p:sp>
+        <p:nvSpPr>
+          <p:cNvPr id="8" name="AutoShape 6" descr="Image result for spacevision">
+            <a:extLst>
+              <a:ext uri="{FF2B5EF4-FFF2-40B4-BE49-F238E27FC236}">
+                <a16:creationId xmlns:a16="http://schemas.microsoft.com/office/drawing/2014/main" id="{C0C1DBF9-E9E2-47B1-AAFF-9B7E8A8C0051}"/>
+              </a:ext>
+            </a:extLst>
+          </p:cNvPr>
+          <p:cNvSpPr>
+            <a:spLocks noChangeAspect="1" noChangeArrowheads="1"/>
+          </p:cNvSpPr>
+          <p:nvPr/>
+        </p:nvSpPr>
+        <p:spPr bwMode="auto">
+          <a:xfrm>
+            <a:off x="5943600" y="3276600"/>
+            <a:ext cx="3302000" cy="3302000"/>
+          </a:xfrm>
+          <a:prstGeom prst="rect">
+            <a:avLst/>
+          </a:prstGeom>
+          <a:noFill/>
+          <a:extLst>
+            <a:ext uri="{909E8E84-426E-40DD-AFC4-6F175D3DCCD1}">
+              <a14:hiddenFill xmlns:a14="http://schemas.microsoft.com/office/drawing/2010/main">
+                <a:solidFill>
+                  <a:srgbClr val="FFFFFF"/>
+                </a:solidFill>
+              </a14:hiddenFill>
+            </a:ext>
+          </a:extLst>
+        </p:spPr>
+        <p:txBody>
+          <a:bodyPr vert="horz" wrap="square" lIns="91440" tIns="45720" rIns="91440" bIns="45720" numCol="1" anchor="t" anchorCtr="0" compatLnSpc="1">
+            <a:prstTxWarp prst="textNoShape">
+              <a:avLst/>
+            </a:prstTxWarp>
+          </a:bodyPr>
+          <a:lstStyle/>
+          <a:p>
+            <a:endParaRPr lang="en-US"/>
+          </a:p>
+        </p:txBody>
+      </p:sp>
+      <p:sp>
+        <p:nvSpPr>
+          <p:cNvPr id="9" name="TextBox 8">
+            <a:extLst>
+              <a:ext uri="{FF2B5EF4-FFF2-40B4-BE49-F238E27FC236}">
+                <a16:creationId xmlns:a16="http://schemas.microsoft.com/office/drawing/2014/main" id="{B6197210-5CBD-4DEE-B10E-561F01B3C649}"/>
+              </a:ext>
+            </a:extLst>
+          </p:cNvPr>
+          <p:cNvSpPr txBox="1"/>
+          <p:nvPr/>
+        </p:nvSpPr>
+        <p:spPr>
+          <a:xfrm>
+            <a:off x="8849981" y="4148414"/>
+            <a:ext cx="3424622" cy="861774"/>
+          </a:xfrm>
+          <a:prstGeom prst="rect">
+            <a:avLst/>
+          </a:prstGeom>
+          <a:noFill/>
+        </p:spPr>
+        <p:txBody>
+          <a:bodyPr wrap="square" rtlCol="0">
+            <a:spAutoFit/>
+          </a:bodyPr>
+          <a:lstStyle/>
+          <a:p>
+            <a:pPr algn="ctr"/>
+            <a:r>
+              <a:rPr lang="en-US" sz="1600" dirty="0"/>
+              <a:t>Hybrid Rocket Presentation</a:t>
+            </a:r>
+          </a:p>
+          <a:p>
+            <a:pPr algn="ctr"/>
+            <a:r>
+              <a:rPr lang="en-US" sz="1600" dirty="0"/>
+              <a:t>Quadcopter Presentation</a:t>
+            </a:r>
+          </a:p>
+          <a:p>
+            <a:pPr algn="ctr"/>
+            <a:r>
+              <a:rPr lang="en-US" sz="1600" dirty="0"/>
+              <a:t>Matthew Isakowitz Presentation</a:t>
+            </a:r>
+          </a:p>
+        </p:txBody>
+      </p:sp>
+      <p:sp>
+        <p:nvSpPr>
+          <p:cNvPr id="10" name="TextBox 9">
+            <a:extLst>
+              <a:ext uri="{FF2B5EF4-FFF2-40B4-BE49-F238E27FC236}">
+                <a16:creationId xmlns:a16="http://schemas.microsoft.com/office/drawing/2014/main" id="{71F79953-93F4-4398-BFB6-9434669A06A5}"/>
+              </a:ext>
+            </a:extLst>
+          </p:cNvPr>
+          <p:cNvSpPr txBox="1"/>
+          <p:nvPr/>
+        </p:nvSpPr>
+        <p:spPr>
+          <a:xfrm>
+            <a:off x="277413" y="152569"/>
+            <a:ext cx="3556000" cy="369332"/>
+          </a:xfrm>
+          <a:prstGeom prst="rect">
+            <a:avLst/>
+          </a:prstGeom>
+          <a:noFill/>
+        </p:spPr>
+        <p:txBody>
+          <a:bodyPr wrap="square" rtlCol="0">
+            <a:spAutoFit/>
+          </a:bodyPr>
+          <a:lstStyle/>
+          <a:p>
+            <a:pPr algn="ctr"/>
+            <a:r>
+              <a:rPr lang="en-US" dirty="0"/>
+              <a:t>SEDS Yuri’s Night!</a:t>
+            </a:r>
+          </a:p>
+        </p:txBody>
+      </p:sp>
+      <p:sp>
+        <p:nvSpPr>
+          <p:cNvPr id="24" name="TextBox 23">
+            <a:extLst>
+              <a:ext uri="{FF2B5EF4-FFF2-40B4-BE49-F238E27FC236}">
+                <a16:creationId xmlns:a16="http://schemas.microsoft.com/office/drawing/2014/main" id="{3E4907D0-29D0-4DB5-82C5-66D5E5016966}"/>
+              </a:ext>
+            </a:extLst>
+          </p:cNvPr>
+          <p:cNvSpPr txBox="1"/>
+          <p:nvPr/>
+        </p:nvSpPr>
+        <p:spPr>
+          <a:xfrm>
+            <a:off x="4435499" y="3270822"/>
+            <a:ext cx="3956304" cy="646331"/>
+          </a:xfrm>
+          <a:prstGeom prst="rect">
+            <a:avLst/>
+          </a:prstGeom>
+          <a:noFill/>
+        </p:spPr>
+        <p:txBody>
+          <a:bodyPr wrap="square" rtlCol="0">
+            <a:spAutoFit/>
+          </a:bodyPr>
+          <a:lstStyle/>
+          <a:p>
+            <a:pPr algn="ctr"/>
+            <a:r>
+              <a:rPr lang="en-US" dirty="0"/>
+              <a:t>Rocket Building Workshops</a:t>
+            </a:r>
+          </a:p>
+          <a:p>
+            <a:pPr algn="ctr"/>
+            <a:r>
+              <a:rPr lang="en-US" dirty="0"/>
+              <a:t>Aerospace Opportunity Presentations</a:t>
+            </a:r>
+          </a:p>
+        </p:txBody>
+      </p:sp>
+    </p:spTree>
+    <p:extLst>
+      <p:ext uri="{BB962C8B-B14F-4D97-AF65-F5344CB8AC3E}">
+        <p14:creationId xmlns:p14="http://schemas.microsoft.com/office/powerpoint/2010/main" val="2785562057"/>
       </p:ext>
     </p:extLst>
   </p:cSld>

--- a/Business/Finance/Budgets, Packets and Templates/Packets/TURBOCAM Sponsorship Packet/TURBOCAM INC Presentation - UNH SEDS.pptx
+++ b/Business/Finance/Budgets, Packets and Templates/Packets/TURBOCAM Sponsorship Packet/TURBOCAM INC Presentation - UNH SEDS.pptx
@@ -203,7 +203,7 @@
           <a:p>
             <a:fld id="{79C6A49C-1803-4A28-8D90-751DD6DAEE6E}" type="datetimeFigureOut">
               <a:rPr lang="en-US" smtClean="0"/>
-              <a:t>9/25/2019</a:t>
+              <a:t>9/29/2019</a:t>
             </a:fld>
             <a:endParaRPr lang="en-US"/>
           </a:p>
@@ -1141,7 +1141,7 @@
           <a:p>
             <a:fld id="{DC4FF77B-AB05-463F-8388-E3EF4DCD9159}" type="datetimeFigureOut">
               <a:rPr lang="en-US" smtClean="0"/>
-              <a:t>9/25/2019</a:t>
+              <a:t>9/29/2019</a:t>
             </a:fld>
             <a:endParaRPr lang="en-US"/>
           </a:p>
@@ -1439,7 +1439,7 @@
           <a:p>
             <a:fld id="{DC4FF77B-AB05-463F-8388-E3EF4DCD9159}" type="datetimeFigureOut">
               <a:rPr lang="en-US" smtClean="0"/>
-              <a:t>9/25/2019</a:t>
+              <a:t>9/29/2019</a:t>
             </a:fld>
             <a:endParaRPr lang="en-US"/>
           </a:p>
@@ -1631,7 +1631,7 @@
           <a:p>
             <a:fld id="{DC4FF77B-AB05-463F-8388-E3EF4DCD9159}" type="datetimeFigureOut">
               <a:rPr lang="en-US" smtClean="0"/>
-              <a:t>9/25/2019</a:t>
+              <a:t>9/29/2019</a:t>
             </a:fld>
             <a:endParaRPr lang="en-US"/>
           </a:p>
@@ -1892,7 +1892,7 @@
           <a:p>
             <a:fld id="{DC4FF77B-AB05-463F-8388-E3EF4DCD9159}" type="datetimeFigureOut">
               <a:rPr lang="en-US" smtClean="0"/>
-              <a:t>9/25/2019</a:t>
+              <a:t>9/29/2019</a:t>
             </a:fld>
             <a:endParaRPr lang="en-US"/>
           </a:p>
@@ -2316,7 +2316,7 @@
           <a:p>
             <a:fld id="{DC4FF77B-AB05-463F-8388-E3EF4DCD9159}" type="datetimeFigureOut">
               <a:rPr lang="en-US" smtClean="0"/>
-              <a:t>9/25/2019</a:t>
+              <a:t>9/29/2019</a:t>
             </a:fld>
             <a:endParaRPr lang="en-US"/>
           </a:p>
@@ -2853,7 +2853,7 @@
           <a:p>
             <a:fld id="{DC4FF77B-AB05-463F-8388-E3EF4DCD9159}" type="datetimeFigureOut">
               <a:rPr lang="en-US" smtClean="0"/>
-              <a:t>9/25/2019</a:t>
+              <a:t>9/29/2019</a:t>
             </a:fld>
             <a:endParaRPr lang="en-US"/>
           </a:p>
@@ -3717,7 +3717,7 @@
           <a:p>
             <a:fld id="{DC4FF77B-AB05-463F-8388-E3EF4DCD9159}" type="datetimeFigureOut">
               <a:rPr lang="en-US" smtClean="0"/>
-              <a:t>9/25/2019</a:t>
+              <a:t>9/29/2019</a:t>
             </a:fld>
             <a:endParaRPr lang="en-US"/>
           </a:p>
@@ -3887,7 +3887,7 @@
           <a:p>
             <a:fld id="{DC4FF77B-AB05-463F-8388-E3EF4DCD9159}" type="datetimeFigureOut">
               <a:rPr lang="en-US" smtClean="0"/>
-              <a:t>9/25/2019</a:t>
+              <a:t>9/29/2019</a:t>
             </a:fld>
             <a:endParaRPr lang="en-US"/>
           </a:p>
@@ -4071,7 +4071,7 @@
           <a:p>
             <a:fld id="{DC4FF77B-AB05-463F-8388-E3EF4DCD9159}" type="datetimeFigureOut">
               <a:rPr lang="en-US" smtClean="0"/>
-              <a:t>9/25/2019</a:t>
+              <a:t>9/29/2019</a:t>
             </a:fld>
             <a:endParaRPr lang="en-US"/>
           </a:p>
@@ -4241,7 +4241,7 @@
           <a:p>
             <a:fld id="{DC4FF77B-AB05-463F-8388-E3EF4DCD9159}" type="datetimeFigureOut">
               <a:rPr lang="en-US" smtClean="0"/>
-              <a:t>9/25/2019</a:t>
+              <a:t>9/29/2019</a:t>
             </a:fld>
             <a:endParaRPr lang="en-US"/>
           </a:p>
@@ -4485,7 +4485,7 @@
           <a:p>
             <a:fld id="{DC4FF77B-AB05-463F-8388-E3EF4DCD9159}" type="datetimeFigureOut">
               <a:rPr lang="en-US" smtClean="0"/>
-              <a:t>9/25/2019</a:t>
+              <a:t>9/29/2019</a:t>
             </a:fld>
             <a:endParaRPr lang="en-US"/>
           </a:p>
@@ -4721,7 +4721,7 @@
           <a:p>
             <a:fld id="{DC4FF77B-AB05-463F-8388-E3EF4DCD9159}" type="datetimeFigureOut">
               <a:rPr lang="en-US" smtClean="0"/>
-              <a:t>9/25/2019</a:t>
+              <a:t>9/29/2019</a:t>
             </a:fld>
             <a:endParaRPr lang="en-US"/>
           </a:p>
@@ -5187,7 +5187,7 @@
           <a:p>
             <a:fld id="{DC4FF77B-AB05-463F-8388-E3EF4DCD9159}" type="datetimeFigureOut">
               <a:rPr lang="en-US" smtClean="0"/>
-              <a:t>9/25/2019</a:t>
+              <a:t>9/29/2019</a:t>
             </a:fld>
             <a:endParaRPr lang="en-US"/>
           </a:p>
@@ -5305,7 +5305,7 @@
           <a:p>
             <a:fld id="{DC4FF77B-AB05-463F-8388-E3EF4DCD9159}" type="datetimeFigureOut">
               <a:rPr lang="en-US" smtClean="0"/>
-              <a:t>9/25/2019</a:t>
+              <a:t>9/29/2019</a:t>
             </a:fld>
             <a:endParaRPr lang="en-US"/>
           </a:p>
@@ -5400,7 +5400,7 @@
           <a:p>
             <a:fld id="{DC4FF77B-AB05-463F-8388-E3EF4DCD9159}" type="datetimeFigureOut">
               <a:rPr lang="en-US" smtClean="0"/>
-              <a:t>9/25/2019</a:t>
+              <a:t>9/29/2019</a:t>
             </a:fld>
             <a:endParaRPr lang="en-US"/>
           </a:p>
@@ -5655,7 +5655,7 @@
           <a:p>
             <a:fld id="{DC4FF77B-AB05-463F-8388-E3EF4DCD9159}" type="datetimeFigureOut">
               <a:rPr lang="en-US" smtClean="0"/>
-              <a:t>9/25/2019</a:t>
+              <a:t>9/29/2019</a:t>
             </a:fld>
             <a:endParaRPr lang="en-US"/>
           </a:p>
@@ -5955,7 +5955,7 @@
           <a:p>
             <a:fld id="{DC4FF77B-AB05-463F-8388-E3EF4DCD9159}" type="datetimeFigureOut">
               <a:rPr lang="en-US" smtClean="0"/>
-              <a:t>9/25/2019</a:t>
+              <a:t>9/29/2019</a:t>
             </a:fld>
             <a:endParaRPr lang="en-US"/>
           </a:p>
@@ -6189,7 +6189,7 @@
           <a:p>
             <a:fld id="{DC4FF77B-AB05-463F-8388-E3EF4DCD9159}" type="datetimeFigureOut">
               <a:rPr lang="en-US" smtClean="0"/>
-              <a:t>9/25/2019</a:t>
+              <a:t>9/29/2019</a:t>
             </a:fld>
             <a:endParaRPr lang="en-US"/>
           </a:p>
@@ -8642,10 +8642,10 @@
         </p:nvGrpSpPr>
         <p:grpSpPr>
           <a:xfrm>
-            <a:off x="7198526" y="231614"/>
-            <a:ext cx="4397507" cy="2457076"/>
-            <a:chOff x="1366820" y="452982"/>
-            <a:chExt cx="3687797" cy="2070745"/>
+            <a:off x="7356182" y="231614"/>
+            <a:ext cx="4397507" cy="2447784"/>
+            <a:chOff x="1499032" y="452982"/>
+            <a:chExt cx="3687797" cy="2062914"/>
           </a:xfrm>
         </p:grpSpPr>
         <p:sp>
@@ -8711,7 +8711,7 @@
           </p:blipFill>
           <p:spPr bwMode="auto">
             <a:xfrm>
-              <a:off x="1366820" y="910219"/>
+              <a:off x="1499032" y="902388"/>
               <a:ext cx="3687797" cy="1613508"/>
             </a:xfrm>
             <a:prstGeom prst="roundRect">
